--- a/resources/Presentation-Slides/Chapter-1-Into-Programming/02.Computer-Programs.pptx
+++ b/resources/Presentation-Slides/Chapter-1-Into-Programming/02.Computer-Programs.pptx
@@ -5,17 +5,19 @@
     <p:sldMasterId id="2147483660" r:id="rId2"/>
   </p:sldMasterIdLst>
   <p:notesMasterIdLst>
-    <p:notesMasterId r:id="rId8"/>
+    <p:notesMasterId r:id="rId10"/>
   </p:notesMasterIdLst>
   <p:handoutMasterIdLst>
-    <p:handoutMasterId r:id="rId9"/>
+    <p:handoutMasterId r:id="rId11"/>
   </p:handoutMasterIdLst>
   <p:sldIdLst>
     <p:sldId id="353" r:id="rId3"/>
     <p:sldId id="389" r:id="rId4"/>
-    <p:sldId id="391" r:id="rId5"/>
-    <p:sldId id="392" r:id="rId6"/>
-    <p:sldId id="278" r:id="rId7"/>
+    <p:sldId id="393" r:id="rId5"/>
+    <p:sldId id="394" r:id="rId6"/>
+    <p:sldId id="391" r:id="rId7"/>
+    <p:sldId id="392" r:id="rId8"/>
+    <p:sldId id="278" r:id="rId9"/>
   </p:sldIdLst>
   <p:sldSz cx="12188825" cy="6858000"/>
   <p:notesSz cx="6858000" cy="9144000"/>
@@ -230,7 +232,7 @@
             <a:fld id="{FE5B4EDC-59C0-49C7-8ADA-5A781B329E02}" type="datetimeFigureOut">
               <a:rPr lang="en-US"/>
               <a:pPr/>
-              <a:t>19-Sep-18</a:t>
+              <a:t>11-Feb-19</a:t>
             </a:fld>
             <a:endParaRPr dirty="0"/>
           </a:p>
@@ -429,7 +431,7 @@
             <a:fld id="{F2D8D46A-B586-417D-BFBD-8C8FE0AAF762}" type="datetimeFigureOut">
               <a:rPr lang="en-US" smtClean="0"/>
               <a:pPr/>
-              <a:t>19-Sep-18</a:t>
+              <a:t>11-Feb-19</a:t>
             </a:fld>
             <a:endParaRPr lang="en-US"/>
           </a:p>
@@ -1118,7 +1120,7 @@
             <a:fld id="{3EBA5BD7-F043-4D1B-AA17-CD412FC534DE}" type="slidenum">
               <a:rPr lang="en-US" smtClean="0"/>
               <a:pPr/>
-              <a:t>3</a:t>
+              <a:t>5</a:t>
             </a:fld>
             <a:endParaRPr lang="en-US" dirty="0"/>
           </a:p>
@@ -1255,7 +1257,7 @@
             <a:fld id="{3EBA5BD7-F043-4D1B-AA17-CD412FC534DE}" type="slidenum">
               <a:rPr lang="en-US" smtClean="0"/>
               <a:pPr/>
-              <a:t>4</a:t>
+              <a:t>6</a:t>
             </a:fld>
             <a:endParaRPr lang="en-US" dirty="0"/>
           </a:p>
@@ -1853,7 +1855,7 @@
             <a:fld id="{055373AC-9AA7-423B-BA00-BA1C74164DBD}" type="datetime1">
               <a:rPr lang="en-US" smtClean="0"/>
               <a:pPr/>
-              <a:t>19-Sep-18</a:t>
+              <a:t>11-Feb-19</a:t>
             </a:fld>
             <a:endParaRPr lang="en-US" dirty="0"/>
           </a:p>
@@ -2384,7 +2386,7 @@
             <a:fld id="{055373AC-9AA7-423B-BA00-BA1C74164DBD}" type="datetime1">
               <a:rPr lang="en-US" smtClean="0"/>
               <a:pPr/>
-              <a:t>19-Sep-18</a:t>
+              <a:t>11-Feb-19</a:t>
             </a:fld>
             <a:endParaRPr lang="en-US" dirty="0"/>
           </a:p>
@@ -2958,8 +2960,8 @@
         </p:nvSpPr>
         <p:spPr>
           <a:xfrm>
-            <a:off x="1446212" y="4884114"/>
-            <a:ext cx="8938472" cy="1467380"/>
+            <a:off x="1446212" y="4689455"/>
+            <a:ext cx="8938472" cy="1734697"/>
           </a:xfrm>
         </p:spPr>
         <p:txBody>
@@ -2968,19 +2970,19 @@
           <a:p>
             <a:pPr>
               <a:lnSpc>
-                <a:spcPts val="5400"/>
+                <a:spcPct val="100000"/>
               </a:lnSpc>
             </a:pPr>
             <a:r>
               <a:rPr lang="en-US" dirty="0"/>
-              <a:t>What does it mean</a:t>
+              <a:t>What Does It Mean</a:t>
             </a:r>
             <a:br>
               <a:rPr lang="en-US" dirty="0"/>
             </a:br>
             <a:r>
               <a:rPr lang="en-US" dirty="0"/>
-              <a:t>to program?</a:t>
+              <a:t>"To Program"?</a:t>
             </a:r>
           </a:p>
         </p:txBody>
@@ -3001,8 +3003,8 @@
         </p:blipFill>
         <p:spPr>
           <a:xfrm>
-            <a:off x="4139988" y="921714"/>
-            <a:ext cx="3524026" cy="3637568"/>
+            <a:off x="4445792" y="1237371"/>
+            <a:ext cx="2912418" cy="3006255"/>
           </a:xfrm>
           <a:prstGeom prst="rect">
             <a:avLst/>
@@ -3146,7 +3148,7 @@
           <a:p>
             <a:r>
               <a:rPr lang="en-US" dirty="0"/>
-              <a:t>What does it mean to program?</a:t>
+              <a:t>What Does It Mean "To Program"?</a:t>
             </a:r>
             <a:endParaRPr lang="bg-BG" dirty="0"/>
           </a:p>
@@ -3203,7 +3205,21 @@
             </a:r>
             <a:r>
               <a:rPr lang="en-US" dirty="0"/>
-              <a:t> means to give commands to the computer</a:t>
+              <a:t> means to give </a:t>
+            </a:r>
+            <a:r>
+              <a:rPr lang="en-US" dirty="0">
+                <a:solidFill>
+                  <a:schemeClr val="tx2">
+                    <a:lumMod val="75000"/>
+                  </a:schemeClr>
+                </a:solidFill>
+              </a:rPr>
+              <a:t>commands</a:t>
+            </a:r>
+            <a:r>
+              <a:rPr lang="en-US" dirty="0"/>
+              <a:t> to the computer, e.g.</a:t>
             </a:r>
           </a:p>
           <a:p>
@@ -3211,6 +3227,17 @@
               <a:lnSpc>
                 <a:spcPct val="100000"/>
               </a:lnSpc>
+            </a:pPr>
+            <a:endParaRPr lang="en-US" dirty="0"/>
+          </a:p>
+          <a:p>
+            <a:pPr lvl="1">
+              <a:lnSpc>
+                <a:spcPct val="100000"/>
+              </a:lnSpc>
+              <a:spcBef>
+                <a:spcPts val="2400"/>
+              </a:spcBef>
             </a:pPr>
             <a:r>
               <a:rPr lang="en-US" dirty="0"/>
@@ -3284,10 +3311,23 @@
               <a:lnSpc>
                 <a:spcPct val="100000"/>
               </a:lnSpc>
+              <a:spcBef>
+                <a:spcPts val="1200"/>
+              </a:spcBef>
             </a:pPr>
             <a:r>
               <a:rPr lang="en-US" dirty="0"/>
-              <a:t>Programs are written in a programming language</a:t>
+              <a:t>Programs are written in a </a:t>
+            </a:r>
+            <a:r>
+              <a:rPr lang="en-US" dirty="0">
+                <a:solidFill>
+                  <a:schemeClr val="tx2">
+                    <a:lumMod val="75000"/>
+                  </a:schemeClr>
+                </a:solidFill>
+              </a:rPr>
+              <a:t>programming language</a:t>
             </a:r>
           </a:p>
           <a:p>
@@ -3298,7 +3338,7 @@
             </a:pPr>
             <a:r>
               <a:rPr lang="en-US" dirty="0"/>
-              <a:t>E.g. C#, Java, JavaScript, Python, PHP, C, C++…</a:t>
+              <a:t>E.g. C#, Java, JavaScript, Python, PHP, C, C++, Swift, Go, …</a:t>
             </a:r>
           </a:p>
         </p:txBody>
@@ -3337,6 +3377,166 @@
           </a:p>
         </p:txBody>
       </p:sp>
+      <p:sp>
+        <p:nvSpPr>
+          <p:cNvPr id="7" name="Rectangle 5">
+            <a:extLst>
+              <a:ext uri="{FF2B5EF4-FFF2-40B4-BE49-F238E27FC236}">
+                <a16:creationId xmlns:a16="http://schemas.microsoft.com/office/drawing/2014/main" id="{289D28F6-264A-4ADD-A9EC-4E3573649945}"/>
+              </a:ext>
+            </a:extLst>
+          </p:cNvPr>
+          <p:cNvSpPr>
+            <a:spLocks noChangeArrowheads="1"/>
+          </p:cNvSpPr>
+          <p:nvPr/>
+        </p:nvSpPr>
+        <p:spPr bwMode="auto">
+          <a:xfrm>
+            <a:off x="912812" y="1960798"/>
+            <a:ext cx="10363200" cy="572464"/>
+          </a:xfrm>
+          <a:prstGeom prst="rect">
+            <a:avLst/>
+          </a:prstGeom>
+          <a:solidFill>
+            <a:schemeClr val="accent5">
+              <a:lumMod val="40000"/>
+              <a:lumOff val="60000"/>
+              <a:alpha val="20000"/>
+            </a:schemeClr>
+          </a:solidFill>
+          <a:ln w="12700">
+            <a:solidFill>
+              <a:schemeClr val="accent5">
+                <a:lumMod val="60000"/>
+                <a:lumOff val="40000"/>
+              </a:schemeClr>
+            </a:solidFill>
+          </a:ln>
+        </p:spPr>
+        <p:txBody>
+          <a:bodyPr wrap="square">
+            <a:spAutoFit/>
+          </a:bodyPr>
+          <a:lstStyle/>
+          <a:p>
+            <a:pPr eaLnBrk="0" hangingPunct="0">
+              <a:lnSpc>
+                <a:spcPct val="120000"/>
+              </a:lnSpc>
+              <a:buClr>
+                <a:schemeClr val="accent5">
+                  <a:lumMod val="40000"/>
+                  <a:lumOff val="60000"/>
+                </a:schemeClr>
+              </a:buClr>
+              <a:buSzPct val="70000"/>
+            </a:pPr>
+            <a:r>
+              <a:rPr lang="en-US" sz="2800" b="1" noProof="1">
+                <a:solidFill>
+                  <a:srgbClr val="FBEEDC"/>
+                </a:solidFill>
+                <a:effectLst>
+                  <a:outerShdw blurRad="38100" dist="38100" dir="2700000" algn="tl">
+                    <a:srgbClr val="000000">
+                      <a:alpha val="43137"/>
+                    </a:srgbClr>
+                  </a:outerShdw>
+                </a:effectLst>
+                <a:latin typeface="Consolas" pitchFamily="49" charset="0"/>
+                <a:cs typeface="Consolas" pitchFamily="49" charset="0"/>
+              </a:rPr>
+              <a:t>Console.WriteLine("Welcome to coding");</a:t>
+            </a:r>
+            <a:endParaRPr lang="en-US" sz="2800" b="1" noProof="1">
+              <a:solidFill>
+                <a:schemeClr val="tx2">
+                  <a:lumMod val="75000"/>
+                </a:schemeClr>
+              </a:solidFill>
+              <a:effectLst>
+                <a:outerShdw blurRad="38100" dist="38100" dir="2700000" algn="tl">
+                  <a:srgbClr val="000000">
+                    <a:alpha val="43137"/>
+                  </a:srgbClr>
+                </a:outerShdw>
+              </a:effectLst>
+              <a:latin typeface="Consolas" pitchFamily="49" charset="0"/>
+              <a:cs typeface="Consolas" pitchFamily="49" charset="0"/>
+            </a:endParaRPr>
+          </a:p>
+        </p:txBody>
+      </p:sp>
+      <p:sp>
+        <p:nvSpPr>
+          <p:cNvPr id="3" name="Rectangle: Rounded Corners 2">
+            <a:hlinkClick r:id="rId3"/>
+            <a:extLst>
+              <a:ext uri="{FF2B5EF4-FFF2-40B4-BE49-F238E27FC236}">
+                <a16:creationId xmlns:a16="http://schemas.microsoft.com/office/drawing/2014/main" id="{06A44707-A91C-420F-9F65-BB43D3F49E3C}"/>
+              </a:ext>
+            </a:extLst>
+          </p:cNvPr>
+          <p:cNvSpPr/>
+          <p:nvPr/>
+        </p:nvSpPr>
+        <p:spPr>
+          <a:xfrm>
+            <a:off x="10342950" y="2046423"/>
+            <a:ext cx="830774" cy="399568"/>
+          </a:xfrm>
+          <a:prstGeom prst="roundRect">
+            <a:avLst/>
+          </a:prstGeom>
+          <a:solidFill>
+            <a:srgbClr val="00B050"/>
+          </a:solidFill>
+          <a:effectLst>
+            <a:outerShdw blurRad="63500" sx="102000" sy="102000" algn="ctr" rotWithShape="0">
+              <a:prstClr val="black">
+                <a:alpha val="40000"/>
+              </a:prstClr>
+            </a:outerShdw>
+          </a:effectLst>
+        </p:spPr>
+        <p:style>
+          <a:lnRef idx="2">
+            <a:schemeClr val="accent1">
+              <a:shade val="50000"/>
+            </a:schemeClr>
+          </a:lnRef>
+          <a:fillRef idx="1">
+            <a:schemeClr val="accent1"/>
+          </a:fillRef>
+          <a:effectRef idx="0">
+            <a:schemeClr val="accent1"/>
+          </a:effectRef>
+          <a:fontRef idx="minor">
+            <a:schemeClr val="lt1"/>
+          </a:fontRef>
+        </p:style>
+        <p:txBody>
+          <a:bodyPr rtlCol="0" anchor="ctr"/>
+          <a:lstStyle/>
+          <a:p>
+            <a:pPr algn="ctr"/>
+            <a:r>
+              <a:rPr lang="en-US" b="1" dirty="0">
+                <a:effectLst>
+                  <a:outerShdw blurRad="38100" dist="38100" dir="2700000" algn="tl">
+                    <a:srgbClr val="000000">
+                      <a:alpha val="43137"/>
+                    </a:srgbClr>
+                  </a:outerShdw>
+                </a:effectLst>
+              </a:rPr>
+              <a:t>Run</a:t>
+            </a:r>
+          </a:p>
+        </p:txBody>
+      </p:sp>
     </p:spTree>
     <p:extLst>
       <p:ext uri="{BB962C8B-B14F-4D97-AF65-F5344CB8AC3E}">
@@ -3347,10 +3547,2075 @@
   <p:clrMapOvr>
     <a:masterClrMapping/>
   </p:clrMapOvr>
+  <p:timing>
+    <p:tnLst>
+      <p:par>
+        <p:cTn id="1" dur="indefinite" restart="never" nodeType="tmRoot">
+          <p:childTnLst>
+            <p:seq concurrent="1" nextAc="seek">
+              <p:cTn id="2" dur="indefinite" nodeType="mainSeq">
+                <p:childTnLst>
+                  <p:par>
+                    <p:cTn id="3" fill="hold">
+                      <p:stCondLst>
+                        <p:cond delay="indefinite"/>
+                      </p:stCondLst>
+                      <p:childTnLst>
+                        <p:par>
+                          <p:cTn id="4" fill="hold">
+                            <p:stCondLst>
+                              <p:cond delay="0"/>
+                            </p:stCondLst>
+                            <p:childTnLst>
+                              <p:par>
+                                <p:cTn id="5" presetID="1" presetClass="entr" presetSubtype="0" fill="hold" nodeType="clickEffect">
+                                  <p:stCondLst>
+                                    <p:cond delay="0"/>
+                                  </p:stCondLst>
+                                  <p:childTnLst>
+                                    <p:set>
+                                      <p:cBhvr>
+                                        <p:cTn id="6" dur="1" fill="hold">
+                                          <p:stCondLst>
+                                            <p:cond delay="0"/>
+                                          </p:stCondLst>
+                                        </p:cTn>
+                                        <p:tgtEl>
+                                          <p:spTgt spid="460805">
+                                            <p:txEl>
+                                              <p:pRg st="2" end="2"/>
+                                            </p:txEl>
+                                          </p:spTgt>
+                                        </p:tgtEl>
+                                        <p:attrNameLst>
+                                          <p:attrName>style.visibility</p:attrName>
+                                        </p:attrNameLst>
+                                      </p:cBhvr>
+                                      <p:to>
+                                        <p:strVal val="visible"/>
+                                      </p:to>
+                                    </p:set>
+                                  </p:childTnLst>
+                                </p:cTn>
+                              </p:par>
+                              <p:par>
+                                <p:cTn id="7" presetID="1" presetClass="entr" presetSubtype="0" fill="hold" nodeType="withEffect">
+                                  <p:stCondLst>
+                                    <p:cond delay="0"/>
+                                  </p:stCondLst>
+                                  <p:childTnLst>
+                                    <p:set>
+                                      <p:cBhvr>
+                                        <p:cTn id="8" dur="1" fill="hold">
+                                          <p:stCondLst>
+                                            <p:cond delay="0"/>
+                                          </p:stCondLst>
+                                        </p:cTn>
+                                        <p:tgtEl>
+                                          <p:spTgt spid="460805">
+                                            <p:txEl>
+                                              <p:pRg st="3" end="3"/>
+                                            </p:txEl>
+                                          </p:spTgt>
+                                        </p:tgtEl>
+                                        <p:attrNameLst>
+                                          <p:attrName>style.visibility</p:attrName>
+                                        </p:attrNameLst>
+                                      </p:cBhvr>
+                                      <p:to>
+                                        <p:strVal val="visible"/>
+                                      </p:to>
+                                    </p:set>
+                                  </p:childTnLst>
+                                </p:cTn>
+                              </p:par>
+                              <p:par>
+                                <p:cTn id="9" presetID="1" presetClass="entr" presetSubtype="0" fill="hold" nodeType="withEffect">
+                                  <p:stCondLst>
+                                    <p:cond delay="0"/>
+                                  </p:stCondLst>
+                                  <p:childTnLst>
+                                    <p:set>
+                                      <p:cBhvr>
+                                        <p:cTn id="10" dur="1" fill="hold">
+                                          <p:stCondLst>
+                                            <p:cond delay="0"/>
+                                          </p:stCondLst>
+                                        </p:cTn>
+                                        <p:tgtEl>
+                                          <p:spTgt spid="460805">
+                                            <p:txEl>
+                                              <p:pRg st="4" end="4"/>
+                                            </p:txEl>
+                                          </p:spTgt>
+                                        </p:tgtEl>
+                                        <p:attrNameLst>
+                                          <p:attrName>style.visibility</p:attrName>
+                                        </p:attrNameLst>
+                                      </p:cBhvr>
+                                      <p:to>
+                                        <p:strVal val="visible"/>
+                                      </p:to>
+                                    </p:set>
+                                  </p:childTnLst>
+                                </p:cTn>
+                              </p:par>
+                              <p:par>
+                                <p:cTn id="11" presetID="1" presetClass="entr" presetSubtype="0" fill="hold" nodeType="withEffect">
+                                  <p:stCondLst>
+                                    <p:cond delay="0"/>
+                                  </p:stCondLst>
+                                  <p:childTnLst>
+                                    <p:set>
+                                      <p:cBhvr>
+                                        <p:cTn id="12" dur="1" fill="hold">
+                                          <p:stCondLst>
+                                            <p:cond delay="0"/>
+                                          </p:stCondLst>
+                                        </p:cTn>
+                                        <p:tgtEl>
+                                          <p:spTgt spid="460805">
+                                            <p:txEl>
+                                              <p:pRg st="5" end="5"/>
+                                            </p:txEl>
+                                          </p:spTgt>
+                                        </p:tgtEl>
+                                        <p:attrNameLst>
+                                          <p:attrName>style.visibility</p:attrName>
+                                        </p:attrNameLst>
+                                      </p:cBhvr>
+                                      <p:to>
+                                        <p:strVal val="visible"/>
+                                      </p:to>
+                                    </p:set>
+                                  </p:childTnLst>
+                                </p:cTn>
+                              </p:par>
+                            </p:childTnLst>
+                          </p:cTn>
+                        </p:par>
+                      </p:childTnLst>
+                    </p:cTn>
+                  </p:par>
+                  <p:par>
+                    <p:cTn id="13" fill="hold">
+                      <p:stCondLst>
+                        <p:cond delay="indefinite"/>
+                      </p:stCondLst>
+                      <p:childTnLst>
+                        <p:par>
+                          <p:cTn id="14" fill="hold">
+                            <p:stCondLst>
+                              <p:cond delay="0"/>
+                            </p:stCondLst>
+                            <p:childTnLst>
+                              <p:par>
+                                <p:cTn id="15" presetID="1" presetClass="entr" presetSubtype="0" fill="hold" nodeType="clickEffect">
+                                  <p:stCondLst>
+                                    <p:cond delay="0"/>
+                                  </p:stCondLst>
+                                  <p:childTnLst>
+                                    <p:set>
+                                      <p:cBhvr>
+                                        <p:cTn id="16" dur="1" fill="hold">
+                                          <p:stCondLst>
+                                            <p:cond delay="0"/>
+                                          </p:stCondLst>
+                                        </p:cTn>
+                                        <p:tgtEl>
+                                          <p:spTgt spid="460805">
+                                            <p:txEl>
+                                              <p:pRg st="6" end="6"/>
+                                            </p:txEl>
+                                          </p:spTgt>
+                                        </p:tgtEl>
+                                        <p:attrNameLst>
+                                          <p:attrName>style.visibility</p:attrName>
+                                        </p:attrNameLst>
+                                      </p:cBhvr>
+                                      <p:to>
+                                        <p:strVal val="visible"/>
+                                      </p:to>
+                                    </p:set>
+                                  </p:childTnLst>
+                                </p:cTn>
+                              </p:par>
+                              <p:par>
+                                <p:cTn id="17" presetID="1" presetClass="entr" presetSubtype="0" fill="hold" nodeType="withEffect">
+                                  <p:stCondLst>
+                                    <p:cond delay="0"/>
+                                  </p:stCondLst>
+                                  <p:childTnLst>
+                                    <p:set>
+                                      <p:cBhvr>
+                                        <p:cTn id="18" dur="1" fill="hold">
+                                          <p:stCondLst>
+                                            <p:cond delay="0"/>
+                                          </p:stCondLst>
+                                        </p:cTn>
+                                        <p:tgtEl>
+                                          <p:spTgt spid="460805">
+                                            <p:txEl>
+                                              <p:pRg st="7" end="7"/>
+                                            </p:txEl>
+                                          </p:spTgt>
+                                        </p:tgtEl>
+                                        <p:attrNameLst>
+                                          <p:attrName>style.visibility</p:attrName>
+                                        </p:attrNameLst>
+                                      </p:cBhvr>
+                                      <p:to>
+                                        <p:strVal val="visible"/>
+                                      </p:to>
+                                    </p:set>
+                                  </p:childTnLst>
+                                </p:cTn>
+                              </p:par>
+                            </p:childTnLst>
+                          </p:cTn>
+                        </p:par>
+                      </p:childTnLst>
+                    </p:cTn>
+                  </p:par>
+                </p:childTnLst>
+              </p:cTn>
+              <p:prevCondLst>
+                <p:cond evt="onPrev" delay="0">
+                  <p:tgtEl>
+                    <p:sldTgt/>
+                  </p:tgtEl>
+                </p:cond>
+              </p:prevCondLst>
+              <p:nextCondLst>
+                <p:cond evt="onNext" delay="0">
+                  <p:tgtEl>
+                    <p:sldTgt/>
+                  </p:tgtEl>
+                </p:cond>
+              </p:nextCondLst>
+            </p:seq>
+          </p:childTnLst>
+        </p:cTn>
+      </p:par>
+    </p:tnLst>
+  </p:timing>
 </p:sld>
 </file>
 
 <file path=ppt/slides/slide3.xml><?xml version="1.0" encoding="utf-8"?>
+<p:sld xmlns:a="http://schemas.openxmlformats.org/drawingml/2006/main" xmlns:r="http://schemas.openxmlformats.org/officeDocument/2006/relationships" xmlns:p="http://schemas.openxmlformats.org/presentationml/2006/main">
+  <p:cSld>
+    <p:spTree>
+      <p:nvGrpSpPr>
+        <p:cNvPr id="1" name=""/>
+        <p:cNvGrpSpPr/>
+        <p:nvPr/>
+      </p:nvGrpSpPr>
+      <p:grpSpPr>
+        <a:xfrm>
+          <a:off x="0" y="0"/>
+          <a:ext cx="0" cy="0"/>
+          <a:chOff x="0" y="0"/>
+          <a:chExt cx="0" cy="0"/>
+        </a:xfrm>
+      </p:grpSpPr>
+      <p:sp>
+        <p:nvSpPr>
+          <p:cNvPr id="2" name="Slide Number Placeholder 1">
+            <a:extLst>
+              <a:ext uri="{FF2B5EF4-FFF2-40B4-BE49-F238E27FC236}">
+                <a16:creationId xmlns:a16="http://schemas.microsoft.com/office/drawing/2014/main" id="{AAFC8DC7-969B-455C-9BB8-28050C06CB43}"/>
+              </a:ext>
+            </a:extLst>
+          </p:cNvPr>
+          <p:cNvSpPr>
+            <a:spLocks noGrp="1"/>
+          </p:cNvSpPr>
+          <p:nvPr>
+            <p:ph type="sldNum" sz="quarter" idx="4"/>
+          </p:nvPr>
+        </p:nvSpPr>
+        <p:spPr/>
+        <p:txBody>
+          <a:bodyPr/>
+          <a:lstStyle/>
+          <a:p>
+            <a:fld id="{C014DD1E-5D91-48A3-AD6D-45FBA980D106}" type="slidenum">
+              <a:rPr lang="en-US" smtClean="0"/>
+              <a:pPr/>
+              <a:t>3</a:t>
+            </a:fld>
+            <a:endParaRPr lang="en-US" dirty="0"/>
+          </a:p>
+        </p:txBody>
+      </p:sp>
+      <p:sp>
+        <p:nvSpPr>
+          <p:cNvPr id="8" name="Content Placeholder 7">
+            <a:extLst>
+              <a:ext uri="{FF2B5EF4-FFF2-40B4-BE49-F238E27FC236}">
+                <a16:creationId xmlns:a16="http://schemas.microsoft.com/office/drawing/2014/main" id="{520E377C-4A77-40CB-B6C1-84455E993E80}"/>
+              </a:ext>
+            </a:extLst>
+          </p:cNvPr>
+          <p:cNvSpPr>
+            <a:spLocks noGrp="1"/>
+          </p:cNvSpPr>
+          <p:nvPr>
+            <p:ph idx="1"/>
+          </p:nvPr>
+        </p:nvSpPr>
+        <p:spPr/>
+        <p:txBody>
+          <a:bodyPr/>
+          <a:lstStyle/>
+          <a:p>
+            <a:r>
+              <a:rPr lang="en-US" dirty="0"/>
+              <a:t>Sample </a:t>
+            </a:r>
+            <a:r>
+              <a:rPr lang="en-US" b="1" dirty="0">
+                <a:solidFill>
+                  <a:schemeClr val="tx2">
+                    <a:lumMod val="75000"/>
+                  </a:schemeClr>
+                </a:solidFill>
+              </a:rPr>
+              <a:t>C# program</a:t>
+            </a:r>
+            <a:r>
+              <a:rPr lang="en-US" dirty="0"/>
+              <a:t> (sequence of C# commands):</a:t>
+            </a:r>
+          </a:p>
+        </p:txBody>
+      </p:sp>
+      <p:sp>
+        <p:nvSpPr>
+          <p:cNvPr id="4" name="Title 3">
+            <a:extLst>
+              <a:ext uri="{FF2B5EF4-FFF2-40B4-BE49-F238E27FC236}">
+                <a16:creationId xmlns:a16="http://schemas.microsoft.com/office/drawing/2014/main" id="{5C12FA76-23DD-46F2-AE5C-DFC62DF95FAB}"/>
+              </a:ext>
+            </a:extLst>
+          </p:cNvPr>
+          <p:cNvSpPr>
+            <a:spLocks noGrp="1"/>
+          </p:cNvSpPr>
+          <p:nvPr>
+            <p:ph type="title"/>
+          </p:nvPr>
+        </p:nvSpPr>
+        <p:spPr/>
+        <p:txBody>
+          <a:bodyPr>
+            <a:normAutofit/>
+          </a:bodyPr>
+          <a:lstStyle/>
+          <a:p>
+            <a:r>
+              <a:rPr lang="en-US" sz="4400" dirty="0"/>
+              <a:t>Computer Programs – Example</a:t>
+            </a:r>
+          </a:p>
+        </p:txBody>
+      </p:sp>
+      <p:sp>
+        <p:nvSpPr>
+          <p:cNvPr id="5" name="Rectangle 5">
+            <a:extLst>
+              <a:ext uri="{FF2B5EF4-FFF2-40B4-BE49-F238E27FC236}">
+                <a16:creationId xmlns:a16="http://schemas.microsoft.com/office/drawing/2014/main" id="{D53AEF62-3C61-433B-B381-F2CD7676E476}"/>
+              </a:ext>
+            </a:extLst>
+          </p:cNvPr>
+          <p:cNvSpPr>
+            <a:spLocks noChangeArrowheads="1"/>
+          </p:cNvSpPr>
+          <p:nvPr/>
+        </p:nvSpPr>
+        <p:spPr bwMode="auto">
+          <a:xfrm>
+            <a:off x="912812" y="2139465"/>
+            <a:ext cx="10363200" cy="1822935"/>
+          </a:xfrm>
+          <a:prstGeom prst="rect">
+            <a:avLst/>
+          </a:prstGeom>
+          <a:solidFill>
+            <a:schemeClr val="accent5">
+              <a:lumMod val="40000"/>
+              <a:lumOff val="60000"/>
+              <a:alpha val="20000"/>
+            </a:schemeClr>
+          </a:solidFill>
+          <a:ln w="12700">
+            <a:solidFill>
+              <a:schemeClr val="accent5">
+                <a:lumMod val="60000"/>
+                <a:lumOff val="40000"/>
+              </a:schemeClr>
+            </a:solidFill>
+          </a:ln>
+        </p:spPr>
+        <p:txBody>
+          <a:bodyPr wrap="square">
+            <a:spAutoFit/>
+          </a:bodyPr>
+          <a:lstStyle/>
+          <a:p>
+            <a:pPr eaLnBrk="0" hangingPunct="0">
+              <a:lnSpc>
+                <a:spcPct val="120000"/>
+              </a:lnSpc>
+              <a:buClr>
+                <a:schemeClr val="accent5">
+                  <a:lumMod val="40000"/>
+                  <a:lumOff val="60000"/>
+                </a:schemeClr>
+              </a:buClr>
+              <a:buSzPct val="70000"/>
+            </a:pPr>
+            <a:r>
+              <a:rPr lang="en-US" sz="3200" b="1" noProof="1">
+                <a:solidFill>
+                  <a:srgbClr val="FBEEDC"/>
+                </a:solidFill>
+                <a:effectLst>
+                  <a:outerShdw blurRad="38100" dist="38100" dir="2700000" algn="tl">
+                    <a:srgbClr val="000000">
+                      <a:alpha val="43137"/>
+                    </a:srgbClr>
+                  </a:outerShdw>
+                </a:effectLst>
+                <a:latin typeface="Consolas" pitchFamily="49" charset="0"/>
+                <a:cs typeface="Consolas" pitchFamily="49" charset="0"/>
+              </a:rPr>
+              <a:t>var size = 5;</a:t>
+            </a:r>
+          </a:p>
+          <a:p>
+            <a:pPr eaLnBrk="0" hangingPunct="0">
+              <a:lnSpc>
+                <a:spcPct val="120000"/>
+              </a:lnSpc>
+              <a:buClr>
+                <a:schemeClr val="accent5">
+                  <a:lumMod val="40000"/>
+                  <a:lumOff val="60000"/>
+                </a:schemeClr>
+              </a:buClr>
+              <a:buSzPct val="70000"/>
+            </a:pPr>
+            <a:r>
+              <a:rPr lang="en-US" sz="3200" b="1" noProof="1">
+                <a:solidFill>
+                  <a:srgbClr val="FBEEDC"/>
+                </a:solidFill>
+                <a:effectLst>
+                  <a:outerShdw blurRad="38100" dist="38100" dir="2700000" algn="tl">
+                    <a:srgbClr val="000000">
+                      <a:alpha val="43137"/>
+                    </a:srgbClr>
+                  </a:outerShdw>
+                </a:effectLst>
+                <a:latin typeface="Consolas" pitchFamily="49" charset="0"/>
+                <a:cs typeface="Consolas" pitchFamily="49" charset="0"/>
+              </a:rPr>
+              <a:t>Console.WriteLine("Size = " + size);</a:t>
+            </a:r>
+          </a:p>
+          <a:p>
+            <a:pPr eaLnBrk="0" hangingPunct="0">
+              <a:lnSpc>
+                <a:spcPct val="120000"/>
+              </a:lnSpc>
+              <a:buClr>
+                <a:schemeClr val="accent5">
+                  <a:lumMod val="40000"/>
+                  <a:lumOff val="60000"/>
+                </a:schemeClr>
+              </a:buClr>
+              <a:buSzPct val="70000"/>
+            </a:pPr>
+            <a:r>
+              <a:rPr lang="en-US" sz="3200" b="1" noProof="1">
+                <a:solidFill>
+                  <a:srgbClr val="FBEEDC"/>
+                </a:solidFill>
+                <a:effectLst>
+                  <a:outerShdw blurRad="38100" dist="38100" dir="2700000" algn="tl">
+                    <a:srgbClr val="000000">
+                      <a:alpha val="43137"/>
+                    </a:srgbClr>
+                  </a:outerShdw>
+                </a:effectLst>
+                <a:latin typeface="Consolas" pitchFamily="49" charset="0"/>
+                <a:cs typeface="Consolas" pitchFamily="49" charset="0"/>
+              </a:rPr>
+              <a:t>Console.WriteLine("Area = " + size * size);</a:t>
+            </a:r>
+            <a:endParaRPr lang="en-US" sz="3200" b="1" noProof="1">
+              <a:solidFill>
+                <a:schemeClr val="tx2">
+                  <a:lumMod val="75000"/>
+                </a:schemeClr>
+              </a:solidFill>
+              <a:effectLst>
+                <a:outerShdw blurRad="38100" dist="38100" dir="2700000" algn="tl">
+                  <a:srgbClr val="000000">
+                    <a:alpha val="43137"/>
+                  </a:srgbClr>
+                </a:outerShdw>
+              </a:effectLst>
+              <a:latin typeface="Consolas" pitchFamily="49" charset="0"/>
+              <a:cs typeface="Consolas" pitchFamily="49" charset="0"/>
+            </a:endParaRPr>
+          </a:p>
+        </p:txBody>
+      </p:sp>
+      <p:sp>
+        <p:nvSpPr>
+          <p:cNvPr id="6" name="Rectangle: Rounded Corners 5">
+            <a:hlinkClick r:id="rId2"/>
+            <a:extLst>
+              <a:ext uri="{FF2B5EF4-FFF2-40B4-BE49-F238E27FC236}">
+                <a16:creationId xmlns:a16="http://schemas.microsoft.com/office/drawing/2014/main" id="{C4BDD2CA-1F52-49E9-88BD-5801B8957420}"/>
+              </a:ext>
+            </a:extLst>
+          </p:cNvPr>
+          <p:cNvSpPr/>
+          <p:nvPr/>
+        </p:nvSpPr>
+        <p:spPr>
+          <a:xfrm>
+            <a:off x="10342950" y="2225090"/>
+            <a:ext cx="830774" cy="399568"/>
+          </a:xfrm>
+          <a:prstGeom prst="roundRect">
+            <a:avLst/>
+          </a:prstGeom>
+          <a:solidFill>
+            <a:srgbClr val="00B050"/>
+          </a:solidFill>
+          <a:effectLst>
+            <a:outerShdw blurRad="63500" sx="102000" sy="102000" algn="ctr" rotWithShape="0">
+              <a:prstClr val="black">
+                <a:alpha val="40000"/>
+              </a:prstClr>
+            </a:outerShdw>
+          </a:effectLst>
+        </p:spPr>
+        <p:style>
+          <a:lnRef idx="2">
+            <a:schemeClr val="accent1">
+              <a:shade val="50000"/>
+            </a:schemeClr>
+          </a:lnRef>
+          <a:fillRef idx="1">
+            <a:schemeClr val="accent1"/>
+          </a:fillRef>
+          <a:effectRef idx="0">
+            <a:schemeClr val="accent1"/>
+          </a:effectRef>
+          <a:fontRef idx="minor">
+            <a:schemeClr val="lt1"/>
+          </a:fontRef>
+        </p:style>
+        <p:txBody>
+          <a:bodyPr rtlCol="0" anchor="ctr"/>
+          <a:lstStyle/>
+          <a:p>
+            <a:pPr algn="ctr"/>
+            <a:r>
+              <a:rPr lang="en-US" b="1" dirty="0">
+                <a:effectLst>
+                  <a:outerShdw blurRad="38100" dist="38100" dir="2700000" algn="tl">
+                    <a:srgbClr val="000000">
+                      <a:alpha val="43137"/>
+                    </a:srgbClr>
+                  </a:outerShdw>
+                </a:effectLst>
+              </a:rPr>
+              <a:t>Run</a:t>
+            </a:r>
+          </a:p>
+        </p:txBody>
+      </p:sp>
+    </p:spTree>
+    <p:extLst>
+      <p:ext uri="{BB962C8B-B14F-4D97-AF65-F5344CB8AC3E}">
+        <p14:creationId xmlns:p14="http://schemas.microsoft.com/office/powerpoint/2010/main" val="2890659306"/>
+      </p:ext>
+    </p:extLst>
+  </p:cSld>
+  <p:clrMapOvr>
+    <a:masterClrMapping/>
+  </p:clrMapOvr>
+</p:sld>
+</file>
+
+<file path=ppt/slides/slide4.xml><?xml version="1.0" encoding="utf-8"?>
+<p:sld xmlns:a="http://schemas.openxmlformats.org/drawingml/2006/main" xmlns:r="http://schemas.openxmlformats.org/officeDocument/2006/relationships" xmlns:p="http://schemas.openxmlformats.org/presentationml/2006/main">
+  <p:cSld>
+    <p:spTree>
+      <p:nvGrpSpPr>
+        <p:cNvPr id="1" name=""/>
+        <p:cNvGrpSpPr/>
+        <p:nvPr/>
+      </p:nvGrpSpPr>
+      <p:grpSpPr>
+        <a:xfrm>
+          <a:off x="0" y="0"/>
+          <a:ext cx="0" cy="0"/>
+          <a:chOff x="0" y="0"/>
+          <a:chExt cx="0" cy="0"/>
+        </a:xfrm>
+      </p:grpSpPr>
+      <p:sp>
+        <p:nvSpPr>
+          <p:cNvPr id="2" name="Slide Number Placeholder 1">
+            <a:extLst>
+              <a:ext uri="{FF2B5EF4-FFF2-40B4-BE49-F238E27FC236}">
+                <a16:creationId xmlns:a16="http://schemas.microsoft.com/office/drawing/2014/main" id="{AAFC8DC7-969B-455C-9BB8-28050C06CB43}"/>
+              </a:ext>
+            </a:extLst>
+          </p:cNvPr>
+          <p:cNvSpPr>
+            <a:spLocks noGrp="1"/>
+          </p:cNvSpPr>
+          <p:nvPr>
+            <p:ph type="sldNum" sz="quarter" idx="4"/>
+          </p:nvPr>
+        </p:nvSpPr>
+        <p:spPr/>
+        <p:txBody>
+          <a:bodyPr/>
+          <a:lstStyle/>
+          <a:p>
+            <a:fld id="{C014DD1E-5D91-48A3-AD6D-45FBA980D106}" type="slidenum">
+              <a:rPr lang="en-US" smtClean="0"/>
+              <a:pPr/>
+              <a:t>4</a:t>
+            </a:fld>
+            <a:endParaRPr lang="en-US" dirty="0"/>
+          </a:p>
+        </p:txBody>
+      </p:sp>
+      <p:sp>
+        <p:nvSpPr>
+          <p:cNvPr id="8" name="Content Placeholder 7">
+            <a:extLst>
+              <a:ext uri="{FF2B5EF4-FFF2-40B4-BE49-F238E27FC236}">
+                <a16:creationId xmlns:a16="http://schemas.microsoft.com/office/drawing/2014/main" id="{520E377C-4A77-40CB-B6C1-84455E993E80}"/>
+              </a:ext>
+            </a:extLst>
+          </p:cNvPr>
+          <p:cNvSpPr>
+            <a:spLocks noGrp="1"/>
+          </p:cNvSpPr>
+          <p:nvPr>
+            <p:ph idx="1"/>
+          </p:nvPr>
+        </p:nvSpPr>
+        <p:spPr>
+          <a:xfrm>
+            <a:off x="190413" y="1048138"/>
+            <a:ext cx="11804822" cy="5570355"/>
+          </a:xfrm>
+        </p:spPr>
+        <p:txBody>
+          <a:bodyPr/>
+          <a:lstStyle/>
+          <a:p>
+            <a:r>
+              <a:rPr lang="en-US" dirty="0"/>
+              <a:t>Sample complete </a:t>
+            </a:r>
+            <a:r>
+              <a:rPr lang="en-US" b="1" dirty="0">
+                <a:solidFill>
+                  <a:schemeClr val="tx2">
+                    <a:lumMod val="75000"/>
+                  </a:schemeClr>
+                </a:solidFill>
+              </a:rPr>
+              <a:t>C# program</a:t>
+            </a:r>
+            <a:r>
+              <a:rPr lang="en-US" dirty="0"/>
+              <a:t> (class + method + commands):</a:t>
+            </a:r>
+          </a:p>
+        </p:txBody>
+      </p:sp>
+      <p:sp>
+        <p:nvSpPr>
+          <p:cNvPr id="4" name="Title 3">
+            <a:extLst>
+              <a:ext uri="{FF2B5EF4-FFF2-40B4-BE49-F238E27FC236}">
+                <a16:creationId xmlns:a16="http://schemas.microsoft.com/office/drawing/2014/main" id="{5C12FA76-23DD-46F2-AE5C-DFC62DF95FAB}"/>
+              </a:ext>
+            </a:extLst>
+          </p:cNvPr>
+          <p:cNvSpPr>
+            <a:spLocks noGrp="1"/>
+          </p:cNvSpPr>
+          <p:nvPr>
+            <p:ph type="title"/>
+          </p:nvPr>
+        </p:nvSpPr>
+        <p:spPr/>
+        <p:txBody>
+          <a:bodyPr>
+            <a:normAutofit/>
+          </a:bodyPr>
+          <a:lstStyle/>
+          <a:p>
+            <a:r>
+              <a:rPr lang="en-US" sz="4400" dirty="0"/>
+              <a:t>Computer Programs – Example</a:t>
+            </a:r>
+          </a:p>
+        </p:txBody>
+      </p:sp>
+      <p:sp>
+        <p:nvSpPr>
+          <p:cNvPr id="5" name="Rectangle 5">
+            <a:extLst>
+              <a:ext uri="{FF2B5EF4-FFF2-40B4-BE49-F238E27FC236}">
+                <a16:creationId xmlns:a16="http://schemas.microsoft.com/office/drawing/2014/main" id="{D53AEF62-3C61-433B-B381-F2CD7676E476}"/>
+              </a:ext>
+            </a:extLst>
+          </p:cNvPr>
+          <p:cNvSpPr>
+            <a:spLocks noChangeArrowheads="1"/>
+          </p:cNvSpPr>
+          <p:nvPr/>
+        </p:nvSpPr>
+        <p:spPr bwMode="auto">
+          <a:xfrm>
+            <a:off x="912812" y="1867676"/>
+            <a:ext cx="10363200" cy="4616648"/>
+          </a:xfrm>
+          <a:prstGeom prst="rect">
+            <a:avLst/>
+          </a:prstGeom>
+          <a:solidFill>
+            <a:schemeClr val="accent5">
+              <a:lumMod val="40000"/>
+              <a:lumOff val="60000"/>
+              <a:alpha val="20000"/>
+            </a:schemeClr>
+          </a:solidFill>
+          <a:ln w="12700">
+            <a:solidFill>
+              <a:schemeClr val="accent5">
+                <a:lumMod val="60000"/>
+                <a:lumOff val="40000"/>
+              </a:schemeClr>
+            </a:solidFill>
+          </a:ln>
+        </p:spPr>
+        <p:txBody>
+          <a:bodyPr wrap="square">
+            <a:spAutoFit/>
+          </a:bodyPr>
+          <a:lstStyle/>
+          <a:p>
+            <a:pPr eaLnBrk="0" hangingPunct="0">
+              <a:buClr>
+                <a:schemeClr val="accent5">
+                  <a:lumMod val="40000"/>
+                  <a:lumOff val="60000"/>
+                </a:schemeClr>
+              </a:buClr>
+              <a:buSzPct val="70000"/>
+            </a:pPr>
+            <a:r>
+              <a:rPr lang="en-US" sz="2800" b="1" noProof="1">
+                <a:solidFill>
+                  <a:srgbClr val="FBEEDC"/>
+                </a:solidFill>
+                <a:effectLst>
+                  <a:outerShdw blurRad="38100" dist="38100" dir="2700000" algn="tl">
+                    <a:srgbClr val="000000">
+                      <a:alpha val="43137"/>
+                    </a:srgbClr>
+                  </a:outerShdw>
+                </a:effectLst>
+                <a:latin typeface="Consolas" pitchFamily="49" charset="0"/>
+                <a:cs typeface="Consolas" pitchFamily="49" charset="0"/>
+              </a:rPr>
+              <a:t>using System;</a:t>
+            </a:r>
+          </a:p>
+          <a:p>
+            <a:pPr eaLnBrk="0" hangingPunct="0">
+              <a:buClr>
+                <a:schemeClr val="accent5">
+                  <a:lumMod val="40000"/>
+                  <a:lumOff val="60000"/>
+                </a:schemeClr>
+              </a:buClr>
+              <a:buSzPct val="70000"/>
+            </a:pPr>
+            <a:endParaRPr lang="en-US" sz="1400" b="1" noProof="1">
+              <a:solidFill>
+                <a:srgbClr val="FBEEDC"/>
+              </a:solidFill>
+              <a:effectLst>
+                <a:outerShdw blurRad="38100" dist="38100" dir="2700000" algn="tl">
+                  <a:srgbClr val="000000">
+                    <a:alpha val="43137"/>
+                  </a:srgbClr>
+                </a:outerShdw>
+              </a:effectLst>
+              <a:latin typeface="Consolas" pitchFamily="49" charset="0"/>
+              <a:cs typeface="Consolas" pitchFamily="49" charset="0"/>
+            </a:endParaRPr>
+          </a:p>
+          <a:p>
+            <a:pPr eaLnBrk="0" hangingPunct="0">
+              <a:buClr>
+                <a:schemeClr val="accent5">
+                  <a:lumMod val="40000"/>
+                  <a:lumOff val="60000"/>
+                </a:schemeClr>
+              </a:buClr>
+              <a:buSzPct val="70000"/>
+            </a:pPr>
+            <a:r>
+              <a:rPr lang="en-US" sz="2800" b="1" noProof="1">
+                <a:solidFill>
+                  <a:srgbClr val="FBEEDC"/>
+                </a:solidFill>
+                <a:effectLst>
+                  <a:outerShdw blurRad="38100" dist="38100" dir="2700000" algn="tl">
+                    <a:srgbClr val="000000">
+                      <a:alpha val="43137"/>
+                    </a:srgbClr>
+                  </a:outerShdw>
+                </a:effectLst>
+                <a:latin typeface="Consolas" pitchFamily="49" charset="0"/>
+                <a:cs typeface="Consolas" pitchFamily="49" charset="0"/>
+              </a:rPr>
+              <a:t>class SquareArea</a:t>
+            </a:r>
+          </a:p>
+          <a:p>
+            <a:pPr eaLnBrk="0" hangingPunct="0">
+              <a:buClr>
+                <a:schemeClr val="accent5">
+                  <a:lumMod val="40000"/>
+                  <a:lumOff val="60000"/>
+                </a:schemeClr>
+              </a:buClr>
+              <a:buSzPct val="70000"/>
+            </a:pPr>
+            <a:r>
+              <a:rPr lang="en-US" sz="2800" b="1" noProof="1">
+                <a:solidFill>
+                  <a:srgbClr val="FBEEDC"/>
+                </a:solidFill>
+                <a:effectLst>
+                  <a:outerShdw blurRad="38100" dist="38100" dir="2700000" algn="tl">
+                    <a:srgbClr val="000000">
+                      <a:alpha val="43137"/>
+                    </a:srgbClr>
+                  </a:outerShdw>
+                </a:effectLst>
+                <a:latin typeface="Consolas" pitchFamily="49" charset="0"/>
+                <a:cs typeface="Consolas" pitchFamily="49" charset="0"/>
+              </a:rPr>
+              <a:t>{</a:t>
+            </a:r>
+          </a:p>
+          <a:p>
+            <a:pPr eaLnBrk="0" hangingPunct="0">
+              <a:buClr>
+                <a:schemeClr val="accent5">
+                  <a:lumMod val="40000"/>
+                  <a:lumOff val="60000"/>
+                </a:schemeClr>
+              </a:buClr>
+              <a:buSzPct val="70000"/>
+            </a:pPr>
+            <a:r>
+              <a:rPr lang="en-US" sz="2800" b="1" noProof="1">
+                <a:solidFill>
+                  <a:srgbClr val="FBEEDC"/>
+                </a:solidFill>
+                <a:effectLst>
+                  <a:outerShdw blurRad="38100" dist="38100" dir="2700000" algn="tl">
+                    <a:srgbClr val="000000">
+                      <a:alpha val="43137"/>
+                    </a:srgbClr>
+                  </a:outerShdw>
+                </a:effectLst>
+                <a:latin typeface="Consolas" pitchFamily="49" charset="0"/>
+                <a:cs typeface="Consolas" pitchFamily="49" charset="0"/>
+              </a:rPr>
+              <a:t>  public static void Main()</a:t>
+            </a:r>
+          </a:p>
+          <a:p>
+            <a:pPr eaLnBrk="0" hangingPunct="0">
+              <a:buClr>
+                <a:schemeClr val="accent5">
+                  <a:lumMod val="40000"/>
+                  <a:lumOff val="60000"/>
+                </a:schemeClr>
+              </a:buClr>
+              <a:buSzPct val="70000"/>
+            </a:pPr>
+            <a:r>
+              <a:rPr lang="en-US" sz="2800" b="1" noProof="1">
+                <a:solidFill>
+                  <a:srgbClr val="FBEEDC"/>
+                </a:solidFill>
+                <a:effectLst>
+                  <a:outerShdw blurRad="38100" dist="38100" dir="2700000" algn="tl">
+                    <a:srgbClr val="000000">
+                      <a:alpha val="43137"/>
+                    </a:srgbClr>
+                  </a:outerShdw>
+                </a:effectLst>
+                <a:latin typeface="Consolas" pitchFamily="49" charset="0"/>
+                <a:cs typeface="Consolas" pitchFamily="49" charset="0"/>
+              </a:rPr>
+              <a:t>  {</a:t>
+            </a:r>
+          </a:p>
+          <a:p>
+            <a:pPr eaLnBrk="0" hangingPunct="0">
+              <a:buClr>
+                <a:schemeClr val="accent5">
+                  <a:lumMod val="40000"/>
+                  <a:lumOff val="60000"/>
+                </a:schemeClr>
+              </a:buClr>
+              <a:buSzPct val="70000"/>
+            </a:pPr>
+            <a:r>
+              <a:rPr lang="en-US" sz="2800" b="1" noProof="1">
+                <a:solidFill>
+                  <a:srgbClr val="FBEEDC"/>
+                </a:solidFill>
+                <a:effectLst>
+                  <a:outerShdw blurRad="38100" dist="38100" dir="2700000" algn="tl">
+                    <a:srgbClr val="000000">
+                      <a:alpha val="43137"/>
+                    </a:srgbClr>
+                  </a:outerShdw>
+                </a:effectLst>
+                <a:latin typeface="Consolas" pitchFamily="49" charset="0"/>
+                <a:cs typeface="Consolas" pitchFamily="49" charset="0"/>
+              </a:rPr>
+              <a:t>    var size = 5;</a:t>
+            </a:r>
+          </a:p>
+          <a:p>
+            <a:pPr eaLnBrk="0" hangingPunct="0">
+              <a:buClr>
+                <a:schemeClr val="accent5">
+                  <a:lumMod val="40000"/>
+                  <a:lumOff val="60000"/>
+                </a:schemeClr>
+              </a:buClr>
+              <a:buSzPct val="70000"/>
+            </a:pPr>
+            <a:r>
+              <a:rPr lang="en-US" sz="2800" b="1" noProof="1">
+                <a:solidFill>
+                  <a:srgbClr val="FBEEDC"/>
+                </a:solidFill>
+                <a:effectLst>
+                  <a:outerShdw blurRad="38100" dist="38100" dir="2700000" algn="tl">
+                    <a:srgbClr val="000000">
+                      <a:alpha val="43137"/>
+                    </a:srgbClr>
+                  </a:outerShdw>
+                </a:effectLst>
+                <a:latin typeface="Consolas" pitchFamily="49" charset="0"/>
+                <a:cs typeface="Consolas" pitchFamily="49" charset="0"/>
+              </a:rPr>
+              <a:t>    Console.WriteLine("Size = " + size);</a:t>
+            </a:r>
+          </a:p>
+          <a:p>
+            <a:pPr eaLnBrk="0" hangingPunct="0">
+              <a:buClr>
+                <a:schemeClr val="accent5">
+                  <a:lumMod val="40000"/>
+                  <a:lumOff val="60000"/>
+                </a:schemeClr>
+              </a:buClr>
+              <a:buSzPct val="70000"/>
+            </a:pPr>
+            <a:r>
+              <a:rPr lang="en-US" sz="2800" b="1" noProof="1">
+                <a:solidFill>
+                  <a:srgbClr val="FBEEDC"/>
+                </a:solidFill>
+                <a:effectLst>
+                  <a:outerShdw blurRad="38100" dist="38100" dir="2700000" algn="tl">
+                    <a:srgbClr val="000000">
+                      <a:alpha val="43137"/>
+                    </a:srgbClr>
+                  </a:outerShdw>
+                </a:effectLst>
+                <a:latin typeface="Consolas" pitchFamily="49" charset="0"/>
+                <a:cs typeface="Consolas" pitchFamily="49" charset="0"/>
+              </a:rPr>
+              <a:t>    Console.WriteLine("Area = " + size * size);</a:t>
+            </a:r>
+          </a:p>
+          <a:p>
+            <a:pPr eaLnBrk="0" hangingPunct="0">
+              <a:buClr>
+                <a:schemeClr val="accent5">
+                  <a:lumMod val="40000"/>
+                  <a:lumOff val="60000"/>
+                </a:schemeClr>
+              </a:buClr>
+              <a:buSzPct val="70000"/>
+            </a:pPr>
+            <a:r>
+              <a:rPr lang="en-US" sz="2800" b="1" noProof="1">
+                <a:solidFill>
+                  <a:srgbClr val="FBEEDC"/>
+                </a:solidFill>
+                <a:effectLst>
+                  <a:outerShdw blurRad="38100" dist="38100" dir="2700000" algn="tl">
+                    <a:srgbClr val="000000">
+                      <a:alpha val="43137"/>
+                    </a:srgbClr>
+                  </a:outerShdw>
+                </a:effectLst>
+                <a:latin typeface="Consolas" pitchFamily="49" charset="0"/>
+                <a:cs typeface="Consolas" pitchFamily="49" charset="0"/>
+              </a:rPr>
+              <a:t>  }</a:t>
+            </a:r>
+          </a:p>
+          <a:p>
+            <a:pPr eaLnBrk="0" hangingPunct="0">
+              <a:buClr>
+                <a:schemeClr val="accent5">
+                  <a:lumMod val="40000"/>
+                  <a:lumOff val="60000"/>
+                </a:schemeClr>
+              </a:buClr>
+              <a:buSzPct val="70000"/>
+            </a:pPr>
+            <a:r>
+              <a:rPr lang="en-US" sz="2800" b="1" noProof="1">
+                <a:solidFill>
+                  <a:srgbClr val="FBEEDC"/>
+                </a:solidFill>
+                <a:effectLst>
+                  <a:outerShdw blurRad="38100" dist="38100" dir="2700000" algn="tl">
+                    <a:srgbClr val="000000">
+                      <a:alpha val="43137"/>
+                    </a:srgbClr>
+                  </a:outerShdw>
+                </a:effectLst>
+                <a:latin typeface="Consolas" pitchFamily="49" charset="0"/>
+                <a:cs typeface="Consolas" pitchFamily="49" charset="0"/>
+              </a:rPr>
+              <a:t>}</a:t>
+            </a:r>
+            <a:endParaRPr lang="en-US" sz="2800" b="1" noProof="1">
+              <a:solidFill>
+                <a:schemeClr val="tx2">
+                  <a:lumMod val="75000"/>
+                </a:schemeClr>
+              </a:solidFill>
+              <a:effectLst>
+                <a:outerShdw blurRad="38100" dist="38100" dir="2700000" algn="tl">
+                  <a:srgbClr val="000000">
+                    <a:alpha val="43137"/>
+                  </a:srgbClr>
+                </a:outerShdw>
+              </a:effectLst>
+              <a:latin typeface="Consolas" pitchFamily="49" charset="0"/>
+              <a:cs typeface="Consolas" pitchFamily="49" charset="0"/>
+            </a:endParaRPr>
+          </a:p>
+        </p:txBody>
+      </p:sp>
+      <p:sp>
+        <p:nvSpPr>
+          <p:cNvPr id="6" name="Rectangle: Rounded Corners 5">
+            <a:hlinkClick r:id="rId2"/>
+            <a:extLst>
+              <a:ext uri="{FF2B5EF4-FFF2-40B4-BE49-F238E27FC236}">
+                <a16:creationId xmlns:a16="http://schemas.microsoft.com/office/drawing/2014/main" id="{C4BDD2CA-1F52-49E9-88BD-5801B8957420}"/>
+              </a:ext>
+            </a:extLst>
+          </p:cNvPr>
+          <p:cNvSpPr/>
+          <p:nvPr/>
+        </p:nvSpPr>
+        <p:spPr>
+          <a:xfrm>
+            <a:off x="10342950" y="1953301"/>
+            <a:ext cx="830774" cy="399568"/>
+          </a:xfrm>
+          <a:prstGeom prst="roundRect">
+            <a:avLst/>
+          </a:prstGeom>
+          <a:solidFill>
+            <a:srgbClr val="00B050"/>
+          </a:solidFill>
+          <a:effectLst>
+            <a:outerShdw blurRad="63500" sx="102000" sy="102000" algn="ctr" rotWithShape="0">
+              <a:prstClr val="black">
+                <a:alpha val="40000"/>
+              </a:prstClr>
+            </a:outerShdw>
+          </a:effectLst>
+        </p:spPr>
+        <p:style>
+          <a:lnRef idx="2">
+            <a:schemeClr val="accent1">
+              <a:shade val="50000"/>
+            </a:schemeClr>
+          </a:lnRef>
+          <a:fillRef idx="1">
+            <a:schemeClr val="accent1"/>
+          </a:fillRef>
+          <a:effectRef idx="0">
+            <a:schemeClr val="accent1"/>
+          </a:effectRef>
+          <a:fontRef idx="minor">
+            <a:schemeClr val="lt1"/>
+          </a:fontRef>
+        </p:style>
+        <p:txBody>
+          <a:bodyPr rtlCol="0" anchor="ctr"/>
+          <a:lstStyle/>
+          <a:p>
+            <a:pPr algn="ctr"/>
+            <a:r>
+              <a:rPr lang="en-US" b="1" dirty="0">
+                <a:effectLst>
+                  <a:outerShdw blurRad="38100" dist="38100" dir="2700000" algn="tl">
+                    <a:srgbClr val="000000">
+                      <a:alpha val="43137"/>
+                    </a:srgbClr>
+                  </a:outerShdw>
+                </a:effectLst>
+              </a:rPr>
+              <a:t>Run</a:t>
+            </a:r>
+          </a:p>
+        </p:txBody>
+      </p:sp>
+    </p:spTree>
+    <p:extLst>
+      <p:ext uri="{BB962C8B-B14F-4D97-AF65-F5344CB8AC3E}">
+        <p14:creationId xmlns:p14="http://schemas.microsoft.com/office/powerpoint/2010/main" val="601207155"/>
+      </p:ext>
+    </p:extLst>
+  </p:cSld>
+  <p:clrMapOvr>
+    <a:masterClrMapping/>
+  </p:clrMapOvr>
+  <p:timing>
+    <p:tnLst>
+      <p:par>
+        <p:cTn id="1" dur="indefinite" restart="never" nodeType="tmRoot">
+          <p:childTnLst>
+            <p:seq concurrent="1" nextAc="seek">
+              <p:cTn id="2" dur="indefinite" nodeType="mainSeq">
+                <p:childTnLst>
+                  <p:par>
+                    <p:cTn id="3" fill="hold">
+                      <p:stCondLst>
+                        <p:cond delay="indefinite"/>
+                      </p:stCondLst>
+                      <p:childTnLst>
+                        <p:par>
+                          <p:cTn id="4" fill="hold">
+                            <p:stCondLst>
+                              <p:cond delay="0"/>
+                            </p:stCondLst>
+                            <p:childTnLst>
+                              <p:par>
+                                <p:cTn id="5" presetID="1" presetClass="entr" presetSubtype="0" fill="hold" nodeType="clickEffect">
+                                  <p:stCondLst>
+                                    <p:cond delay="0"/>
+                                  </p:stCondLst>
+                                  <p:childTnLst>
+                                    <p:set>
+                                      <p:cBhvr>
+                                        <p:cTn id="6" dur="1" fill="hold">
+                                          <p:stCondLst>
+                                            <p:cond delay="0"/>
+                                          </p:stCondLst>
+                                        </p:cTn>
+                                        <p:tgtEl>
+                                          <p:spTgt spid="5">
+                                            <p:txEl>
+                                              <p:pRg st="2" end="2"/>
+                                            </p:txEl>
+                                          </p:spTgt>
+                                        </p:tgtEl>
+                                        <p:attrNameLst>
+                                          <p:attrName>style.visibility</p:attrName>
+                                        </p:attrNameLst>
+                                      </p:cBhvr>
+                                      <p:to>
+                                        <p:strVal val="visible"/>
+                                      </p:to>
+                                    </p:set>
+                                  </p:childTnLst>
+                                </p:cTn>
+                              </p:par>
+                              <p:par>
+                                <p:cTn id="7" presetID="1" presetClass="entr" presetSubtype="0" fill="hold" nodeType="withEffect">
+                                  <p:stCondLst>
+                                    <p:cond delay="0"/>
+                                  </p:stCondLst>
+                                  <p:childTnLst>
+                                    <p:set>
+                                      <p:cBhvr>
+                                        <p:cTn id="8" dur="1" fill="hold">
+                                          <p:stCondLst>
+                                            <p:cond delay="0"/>
+                                          </p:stCondLst>
+                                        </p:cTn>
+                                        <p:tgtEl>
+                                          <p:spTgt spid="5">
+                                            <p:txEl>
+                                              <p:pRg st="3" end="3"/>
+                                            </p:txEl>
+                                          </p:spTgt>
+                                        </p:tgtEl>
+                                        <p:attrNameLst>
+                                          <p:attrName>style.visibility</p:attrName>
+                                        </p:attrNameLst>
+                                      </p:cBhvr>
+                                      <p:to>
+                                        <p:strVal val="visible"/>
+                                      </p:to>
+                                    </p:set>
+                                  </p:childTnLst>
+                                </p:cTn>
+                              </p:par>
+                              <p:par>
+                                <p:cTn id="9" presetID="1" presetClass="entr" presetSubtype="0" fill="hold" nodeType="withEffect">
+                                  <p:stCondLst>
+                                    <p:cond delay="0"/>
+                                  </p:stCondLst>
+                                  <p:childTnLst>
+                                    <p:set>
+                                      <p:cBhvr>
+                                        <p:cTn id="10" dur="1" fill="hold">
+                                          <p:stCondLst>
+                                            <p:cond delay="0"/>
+                                          </p:stCondLst>
+                                        </p:cTn>
+                                        <p:tgtEl>
+                                          <p:spTgt spid="5">
+                                            <p:txEl>
+                                              <p:pRg st="10" end="10"/>
+                                            </p:txEl>
+                                          </p:spTgt>
+                                        </p:tgtEl>
+                                        <p:attrNameLst>
+                                          <p:attrName>style.visibility</p:attrName>
+                                        </p:attrNameLst>
+                                      </p:cBhvr>
+                                      <p:to>
+                                        <p:strVal val="visible"/>
+                                      </p:to>
+                                    </p:set>
+                                  </p:childTnLst>
+                                </p:cTn>
+                              </p:par>
+                            </p:childTnLst>
+                          </p:cTn>
+                        </p:par>
+                      </p:childTnLst>
+                    </p:cTn>
+                  </p:par>
+                  <p:par>
+                    <p:cTn id="11" fill="hold">
+                      <p:stCondLst>
+                        <p:cond delay="indefinite"/>
+                      </p:stCondLst>
+                      <p:childTnLst>
+                        <p:par>
+                          <p:cTn id="12" fill="hold">
+                            <p:stCondLst>
+                              <p:cond delay="0"/>
+                            </p:stCondLst>
+                            <p:childTnLst>
+                              <p:par>
+                                <p:cTn id="13" presetID="1" presetClass="entr" presetSubtype="0" fill="hold" nodeType="clickEffect">
+                                  <p:stCondLst>
+                                    <p:cond delay="0"/>
+                                  </p:stCondLst>
+                                  <p:childTnLst>
+                                    <p:set>
+                                      <p:cBhvr>
+                                        <p:cTn id="14" dur="1" fill="hold">
+                                          <p:stCondLst>
+                                            <p:cond delay="0"/>
+                                          </p:stCondLst>
+                                        </p:cTn>
+                                        <p:tgtEl>
+                                          <p:spTgt spid="5">
+                                            <p:txEl>
+                                              <p:pRg st="4" end="4"/>
+                                            </p:txEl>
+                                          </p:spTgt>
+                                        </p:tgtEl>
+                                        <p:attrNameLst>
+                                          <p:attrName>style.visibility</p:attrName>
+                                        </p:attrNameLst>
+                                      </p:cBhvr>
+                                      <p:to>
+                                        <p:strVal val="visible"/>
+                                      </p:to>
+                                    </p:set>
+                                  </p:childTnLst>
+                                </p:cTn>
+                              </p:par>
+                              <p:par>
+                                <p:cTn id="15" presetID="1" presetClass="entr" presetSubtype="0" fill="hold" nodeType="withEffect">
+                                  <p:stCondLst>
+                                    <p:cond delay="0"/>
+                                  </p:stCondLst>
+                                  <p:childTnLst>
+                                    <p:set>
+                                      <p:cBhvr>
+                                        <p:cTn id="16" dur="1" fill="hold">
+                                          <p:stCondLst>
+                                            <p:cond delay="0"/>
+                                          </p:stCondLst>
+                                        </p:cTn>
+                                        <p:tgtEl>
+                                          <p:spTgt spid="5">
+                                            <p:txEl>
+                                              <p:pRg st="5" end="5"/>
+                                            </p:txEl>
+                                          </p:spTgt>
+                                        </p:tgtEl>
+                                        <p:attrNameLst>
+                                          <p:attrName>style.visibility</p:attrName>
+                                        </p:attrNameLst>
+                                      </p:cBhvr>
+                                      <p:to>
+                                        <p:strVal val="visible"/>
+                                      </p:to>
+                                    </p:set>
+                                  </p:childTnLst>
+                                </p:cTn>
+                              </p:par>
+                              <p:par>
+                                <p:cTn id="17" presetID="1" presetClass="entr" presetSubtype="0" fill="hold" nodeType="withEffect">
+                                  <p:stCondLst>
+                                    <p:cond delay="0"/>
+                                  </p:stCondLst>
+                                  <p:childTnLst>
+                                    <p:set>
+                                      <p:cBhvr>
+                                        <p:cTn id="18" dur="1" fill="hold">
+                                          <p:stCondLst>
+                                            <p:cond delay="0"/>
+                                          </p:stCondLst>
+                                        </p:cTn>
+                                        <p:tgtEl>
+                                          <p:spTgt spid="5">
+                                            <p:txEl>
+                                              <p:pRg st="9" end="9"/>
+                                            </p:txEl>
+                                          </p:spTgt>
+                                        </p:tgtEl>
+                                        <p:attrNameLst>
+                                          <p:attrName>style.visibility</p:attrName>
+                                        </p:attrNameLst>
+                                      </p:cBhvr>
+                                      <p:to>
+                                        <p:strVal val="visible"/>
+                                      </p:to>
+                                    </p:set>
+                                  </p:childTnLst>
+                                </p:cTn>
+                              </p:par>
+                            </p:childTnLst>
+                          </p:cTn>
+                        </p:par>
+                      </p:childTnLst>
+                    </p:cTn>
+                  </p:par>
+                  <p:par>
+                    <p:cTn id="19" fill="hold">
+                      <p:stCondLst>
+                        <p:cond delay="indefinite"/>
+                      </p:stCondLst>
+                      <p:childTnLst>
+                        <p:par>
+                          <p:cTn id="20" fill="hold">
+                            <p:stCondLst>
+                              <p:cond delay="0"/>
+                            </p:stCondLst>
+                            <p:childTnLst>
+                              <p:par>
+                                <p:cTn id="21" presetID="1" presetClass="entr" presetSubtype="0" fill="hold" nodeType="clickEffect">
+                                  <p:stCondLst>
+                                    <p:cond delay="0"/>
+                                  </p:stCondLst>
+                                  <p:childTnLst>
+                                    <p:set>
+                                      <p:cBhvr>
+                                        <p:cTn id="22" dur="1" fill="hold">
+                                          <p:stCondLst>
+                                            <p:cond delay="0"/>
+                                          </p:stCondLst>
+                                        </p:cTn>
+                                        <p:tgtEl>
+                                          <p:spTgt spid="5">
+                                            <p:txEl>
+                                              <p:pRg st="6" end="6"/>
+                                            </p:txEl>
+                                          </p:spTgt>
+                                        </p:tgtEl>
+                                        <p:attrNameLst>
+                                          <p:attrName>style.visibility</p:attrName>
+                                        </p:attrNameLst>
+                                      </p:cBhvr>
+                                      <p:to>
+                                        <p:strVal val="visible"/>
+                                      </p:to>
+                                    </p:set>
+                                  </p:childTnLst>
+                                </p:cTn>
+                              </p:par>
+                              <p:par>
+                                <p:cTn id="23" presetID="1" presetClass="entr" presetSubtype="0" fill="hold" nodeType="withEffect">
+                                  <p:stCondLst>
+                                    <p:cond delay="0"/>
+                                  </p:stCondLst>
+                                  <p:childTnLst>
+                                    <p:set>
+                                      <p:cBhvr>
+                                        <p:cTn id="24" dur="1" fill="hold">
+                                          <p:stCondLst>
+                                            <p:cond delay="0"/>
+                                          </p:stCondLst>
+                                        </p:cTn>
+                                        <p:tgtEl>
+                                          <p:spTgt spid="5">
+                                            <p:txEl>
+                                              <p:pRg st="7" end="7"/>
+                                            </p:txEl>
+                                          </p:spTgt>
+                                        </p:tgtEl>
+                                        <p:attrNameLst>
+                                          <p:attrName>style.visibility</p:attrName>
+                                        </p:attrNameLst>
+                                      </p:cBhvr>
+                                      <p:to>
+                                        <p:strVal val="visible"/>
+                                      </p:to>
+                                    </p:set>
+                                  </p:childTnLst>
+                                </p:cTn>
+                              </p:par>
+                              <p:par>
+                                <p:cTn id="25" presetID="1" presetClass="entr" presetSubtype="0" fill="hold" nodeType="withEffect">
+                                  <p:stCondLst>
+                                    <p:cond delay="0"/>
+                                  </p:stCondLst>
+                                  <p:childTnLst>
+                                    <p:set>
+                                      <p:cBhvr>
+                                        <p:cTn id="26" dur="1" fill="hold">
+                                          <p:stCondLst>
+                                            <p:cond delay="0"/>
+                                          </p:stCondLst>
+                                        </p:cTn>
+                                        <p:tgtEl>
+                                          <p:spTgt spid="5">
+                                            <p:txEl>
+                                              <p:pRg st="8" end="8"/>
+                                            </p:txEl>
+                                          </p:spTgt>
+                                        </p:tgtEl>
+                                        <p:attrNameLst>
+                                          <p:attrName>style.visibility</p:attrName>
+                                        </p:attrNameLst>
+                                      </p:cBhvr>
+                                      <p:to>
+                                        <p:strVal val="visible"/>
+                                      </p:to>
+                                    </p:set>
+                                  </p:childTnLst>
+                                </p:cTn>
+                              </p:par>
+                            </p:childTnLst>
+                          </p:cTn>
+                        </p:par>
+                      </p:childTnLst>
+                    </p:cTn>
+                  </p:par>
+                </p:childTnLst>
+              </p:cTn>
+              <p:prevCondLst>
+                <p:cond evt="onPrev" delay="0">
+                  <p:tgtEl>
+                    <p:sldTgt/>
+                  </p:tgtEl>
+                </p:cond>
+              </p:prevCondLst>
+              <p:nextCondLst>
+                <p:cond evt="onNext" delay="0">
+                  <p:tgtEl>
+                    <p:sldTgt/>
+                  </p:tgtEl>
+                </p:cond>
+              </p:nextCondLst>
+            </p:seq>
+          </p:childTnLst>
+        </p:cTn>
+      </p:par>
+    </p:tnLst>
+  </p:timing>
+</p:sld>
+</file>
+
+<file path=ppt/slides/slide5.xml><?xml version="1.0" encoding="utf-8"?>
+<p:sld xmlns:a="http://schemas.openxmlformats.org/drawingml/2006/main" xmlns:r="http://schemas.openxmlformats.org/officeDocument/2006/relationships" xmlns:p="http://schemas.openxmlformats.org/presentationml/2006/main">
+  <p:cSld>
+    <p:spTree>
+      <p:nvGrpSpPr>
+        <p:cNvPr id="1" name=""/>
+        <p:cNvGrpSpPr/>
+        <p:nvPr/>
+      </p:nvGrpSpPr>
+      <p:grpSpPr>
+        <a:xfrm>
+          <a:off x="0" y="0"/>
+          <a:ext cx="0" cy="0"/>
+          <a:chOff x="0" y="0"/>
+          <a:chExt cx="0" cy="0"/>
+        </a:xfrm>
+      </p:grpSpPr>
+      <p:sp>
+        <p:nvSpPr>
+          <p:cNvPr id="460802" name="Rectangle 2"/>
+          <p:cNvSpPr>
+            <a:spLocks noGrp="1" noChangeArrowheads="1"/>
+          </p:cNvSpPr>
+          <p:nvPr>
+            <p:ph type="title"/>
+          </p:nvPr>
+        </p:nvSpPr>
+        <p:spPr>
+          <a:xfrm>
+            <a:off x="188815" y="40341"/>
+            <a:ext cx="11620597" cy="1110780"/>
+          </a:xfrm>
+        </p:spPr>
+        <p:txBody>
+          <a:bodyPr>
+            <a:normAutofit/>
+          </a:bodyPr>
+          <a:lstStyle/>
+          <a:p>
+            <a:r>
+              <a:rPr lang="en-US" dirty="0"/>
+              <a:t>Programming Languages, Compilers, Interpreters</a:t>
+            </a:r>
+            <a:endParaRPr lang="bg-BG" dirty="0"/>
+          </a:p>
+        </p:txBody>
+      </p:sp>
+      <p:sp>
+        <p:nvSpPr>
+          <p:cNvPr id="460805" name="Rectangle 5"/>
+          <p:cNvSpPr>
+            <a:spLocks noGrp="1" noChangeArrowheads="1"/>
+          </p:cNvSpPr>
+          <p:nvPr>
+            <p:ph idx="4294967295"/>
+          </p:nvPr>
+        </p:nvSpPr>
+        <p:spPr>
+          <a:xfrm>
+            <a:off x="190413" y="1191467"/>
+            <a:ext cx="11804822" cy="5530010"/>
+          </a:xfrm>
+        </p:spPr>
+        <p:txBody>
+          <a:bodyPr>
+            <a:normAutofit/>
+          </a:bodyPr>
+          <a:lstStyle/>
+          <a:p>
+            <a:pPr>
+              <a:lnSpc>
+                <a:spcPct val="110000"/>
+              </a:lnSpc>
+            </a:pPr>
+            <a:r>
+              <a:rPr lang="en-US" dirty="0"/>
+              <a:t>The programming language defines a set of rules (</a:t>
+            </a:r>
+            <a:r>
+              <a:rPr lang="en-US" dirty="0">
+                <a:solidFill>
+                  <a:schemeClr val="tx2">
+                    <a:lumMod val="75000"/>
+                  </a:schemeClr>
+                </a:solidFill>
+              </a:rPr>
+              <a:t>syntax</a:t>
+            </a:r>
+            <a:r>
+              <a:rPr lang="en-US" dirty="0"/>
+              <a:t>)</a:t>
+            </a:r>
+          </a:p>
+          <a:p>
+            <a:pPr>
+              <a:lnSpc>
+                <a:spcPct val="110000"/>
+              </a:lnSpc>
+              <a:spcBef>
+                <a:spcPts val="1200"/>
+              </a:spcBef>
+            </a:pPr>
+            <a:r>
+              <a:rPr lang="en-US" dirty="0"/>
+              <a:t>Languages are either </a:t>
+            </a:r>
+            <a:r>
+              <a:rPr lang="en-US" dirty="0">
+                <a:solidFill>
+                  <a:schemeClr val="tx2">
+                    <a:lumMod val="75000"/>
+                  </a:schemeClr>
+                </a:solidFill>
+              </a:rPr>
+              <a:t>compiled</a:t>
+            </a:r>
+            <a:r>
+              <a:rPr lang="en-US" dirty="0"/>
+              <a:t> (like C#, C++)</a:t>
+            </a:r>
+            <a:br>
+              <a:rPr lang="en-US" dirty="0"/>
+            </a:br>
+            <a:r>
+              <a:rPr lang="en-US" dirty="0"/>
+              <a:t>or </a:t>
+            </a:r>
+            <a:r>
+              <a:rPr lang="en-US" dirty="0">
+                <a:solidFill>
+                  <a:schemeClr val="tx2">
+                    <a:lumMod val="75000"/>
+                  </a:schemeClr>
+                </a:solidFill>
+              </a:rPr>
+              <a:t>interpreted</a:t>
+            </a:r>
+            <a:r>
+              <a:rPr lang="en-US" dirty="0"/>
+              <a:t> (like JavaScript and Python)</a:t>
+            </a:r>
+            <a:endParaRPr lang="en-US" dirty="0">
+              <a:solidFill>
+                <a:schemeClr val="tx2">
+                  <a:lumMod val="75000"/>
+                </a:schemeClr>
+              </a:solidFill>
+            </a:endParaRPr>
+          </a:p>
+          <a:p>
+            <a:pPr>
+              <a:lnSpc>
+                <a:spcPct val="110000"/>
+              </a:lnSpc>
+              <a:spcBef>
+                <a:spcPts val="1200"/>
+              </a:spcBef>
+            </a:pPr>
+            <a:r>
+              <a:rPr lang="en-US" dirty="0"/>
+              <a:t>The </a:t>
+            </a:r>
+            <a:r>
+              <a:rPr lang="en-US" dirty="0">
+                <a:solidFill>
+                  <a:schemeClr val="tx2">
+                    <a:lumMod val="75000"/>
+                  </a:schemeClr>
+                </a:solidFill>
+              </a:rPr>
+              <a:t>compiler</a:t>
+            </a:r>
+            <a:r>
+              <a:rPr lang="en-US" dirty="0"/>
+              <a:t> translates programming code to </a:t>
+            </a:r>
+            <a:r>
+              <a:rPr lang="en-US" dirty="0">
+                <a:solidFill>
+                  <a:schemeClr val="tx2">
+                    <a:lumMod val="75000"/>
+                  </a:schemeClr>
+                </a:solidFill>
+              </a:rPr>
+              <a:t>machine code</a:t>
+            </a:r>
+          </a:p>
+          <a:p>
+            <a:pPr lvl="1">
+              <a:lnSpc>
+                <a:spcPct val="110000"/>
+              </a:lnSpc>
+            </a:pPr>
+            <a:r>
+              <a:rPr lang="en-US" dirty="0"/>
+              <a:t>During compilation, it finds syntax errors in the code</a:t>
+            </a:r>
+          </a:p>
+          <a:p>
+            <a:pPr>
+              <a:lnSpc>
+                <a:spcPct val="110000"/>
+              </a:lnSpc>
+              <a:spcBef>
+                <a:spcPts val="1200"/>
+              </a:spcBef>
+            </a:pPr>
+            <a:r>
+              <a:rPr lang="en-US" dirty="0"/>
+              <a:t>The </a:t>
+            </a:r>
+            <a:r>
+              <a:rPr lang="en-US" dirty="0">
+                <a:solidFill>
+                  <a:schemeClr val="tx2">
+                    <a:lumMod val="75000"/>
+                  </a:schemeClr>
+                </a:solidFill>
+              </a:rPr>
+              <a:t>interpreter</a:t>
+            </a:r>
+            <a:r>
+              <a:rPr lang="en-US" dirty="0"/>
+              <a:t> executes the source code line by line</a:t>
+            </a:r>
+          </a:p>
+          <a:p>
+            <a:pPr lvl="1">
+              <a:lnSpc>
+                <a:spcPct val="110000"/>
+              </a:lnSpc>
+            </a:pPr>
+            <a:r>
+              <a:rPr lang="en-US" dirty="0"/>
+              <a:t>It finds syntax errors during runtime</a:t>
+            </a:r>
+          </a:p>
+        </p:txBody>
+      </p:sp>
+      <p:sp>
+        <p:nvSpPr>
+          <p:cNvPr id="4" name="Slide Number Placeholder 3"/>
+          <p:cNvSpPr>
+            <a:spLocks noGrp="1"/>
+          </p:cNvSpPr>
+          <p:nvPr>
+            <p:ph type="sldNum" sz="quarter" idx="4"/>
+          </p:nvPr>
+        </p:nvSpPr>
+        <p:spPr>
+          <a:xfrm>
+            <a:off x="11566412" y="6525002"/>
+            <a:ext cx="428822" cy="196477"/>
+          </a:xfrm>
+        </p:spPr>
+        <p:txBody>
+          <a:bodyPr/>
+          <a:lstStyle/>
+          <a:p>
+            <a:pPr>
+              <a:defRPr/>
+            </a:pPr>
+            <a:fld id="{58452FF4-89E3-4D1B-9927-2DBDC00E58D7}" type="slidenum">
+              <a:rPr lang="en-US" smtClean="0"/>
+              <a:pPr>
+                <a:defRPr/>
+              </a:pPr>
+              <a:t>5</a:t>
+            </a:fld>
+            <a:endParaRPr lang="en-US" dirty="0"/>
+          </a:p>
+        </p:txBody>
+      </p:sp>
+    </p:spTree>
+    <p:extLst>
+      <p:ext uri="{BB962C8B-B14F-4D97-AF65-F5344CB8AC3E}">
+        <p14:creationId xmlns:p14="http://schemas.microsoft.com/office/powerpoint/2010/main" val="1974641516"/>
+      </p:ext>
+    </p:extLst>
+  </p:cSld>
+  <p:clrMapOvr>
+    <a:masterClrMapping/>
+  </p:clrMapOvr>
+  <p:timing>
+    <p:tnLst>
+      <p:par>
+        <p:cTn id="1" dur="indefinite" restart="never" nodeType="tmRoot">
+          <p:childTnLst>
+            <p:seq concurrent="1" nextAc="seek">
+              <p:cTn id="2" dur="indefinite" nodeType="mainSeq">
+                <p:childTnLst>
+                  <p:par>
+                    <p:cTn id="3" fill="hold">
+                      <p:stCondLst>
+                        <p:cond delay="indefinite"/>
+                      </p:stCondLst>
+                      <p:childTnLst>
+                        <p:par>
+                          <p:cTn id="4" fill="hold">
+                            <p:stCondLst>
+                              <p:cond delay="0"/>
+                            </p:stCondLst>
+                            <p:childTnLst>
+                              <p:par>
+                                <p:cTn id="5" presetID="1" presetClass="entr" presetSubtype="0" fill="hold" nodeType="clickEffect">
+                                  <p:stCondLst>
+                                    <p:cond delay="0"/>
+                                  </p:stCondLst>
+                                  <p:childTnLst>
+                                    <p:set>
+                                      <p:cBhvr>
+                                        <p:cTn id="6" dur="1" fill="hold">
+                                          <p:stCondLst>
+                                            <p:cond delay="0"/>
+                                          </p:stCondLst>
+                                        </p:cTn>
+                                        <p:tgtEl>
+                                          <p:spTgt spid="460805">
+                                            <p:txEl>
+                                              <p:pRg st="1" end="1"/>
+                                            </p:txEl>
+                                          </p:spTgt>
+                                        </p:tgtEl>
+                                        <p:attrNameLst>
+                                          <p:attrName>style.visibility</p:attrName>
+                                        </p:attrNameLst>
+                                      </p:cBhvr>
+                                      <p:to>
+                                        <p:strVal val="visible"/>
+                                      </p:to>
+                                    </p:set>
+                                  </p:childTnLst>
+                                </p:cTn>
+                              </p:par>
+                            </p:childTnLst>
+                          </p:cTn>
+                        </p:par>
+                      </p:childTnLst>
+                    </p:cTn>
+                  </p:par>
+                  <p:par>
+                    <p:cTn id="7" fill="hold">
+                      <p:stCondLst>
+                        <p:cond delay="indefinite"/>
+                      </p:stCondLst>
+                      <p:childTnLst>
+                        <p:par>
+                          <p:cTn id="8" fill="hold">
+                            <p:stCondLst>
+                              <p:cond delay="0"/>
+                            </p:stCondLst>
+                            <p:childTnLst>
+                              <p:par>
+                                <p:cTn id="9" presetID="1" presetClass="entr" presetSubtype="0" fill="hold" nodeType="clickEffect">
+                                  <p:stCondLst>
+                                    <p:cond delay="0"/>
+                                  </p:stCondLst>
+                                  <p:childTnLst>
+                                    <p:set>
+                                      <p:cBhvr>
+                                        <p:cTn id="10" dur="1" fill="hold">
+                                          <p:stCondLst>
+                                            <p:cond delay="0"/>
+                                          </p:stCondLst>
+                                        </p:cTn>
+                                        <p:tgtEl>
+                                          <p:spTgt spid="460805">
+                                            <p:txEl>
+                                              <p:pRg st="2" end="2"/>
+                                            </p:txEl>
+                                          </p:spTgt>
+                                        </p:tgtEl>
+                                        <p:attrNameLst>
+                                          <p:attrName>style.visibility</p:attrName>
+                                        </p:attrNameLst>
+                                      </p:cBhvr>
+                                      <p:to>
+                                        <p:strVal val="visible"/>
+                                      </p:to>
+                                    </p:set>
+                                  </p:childTnLst>
+                                </p:cTn>
+                              </p:par>
+                              <p:par>
+                                <p:cTn id="11" presetID="1" presetClass="entr" presetSubtype="0" fill="hold" nodeType="withEffect">
+                                  <p:stCondLst>
+                                    <p:cond delay="0"/>
+                                  </p:stCondLst>
+                                  <p:childTnLst>
+                                    <p:set>
+                                      <p:cBhvr>
+                                        <p:cTn id="12" dur="1" fill="hold">
+                                          <p:stCondLst>
+                                            <p:cond delay="0"/>
+                                          </p:stCondLst>
+                                        </p:cTn>
+                                        <p:tgtEl>
+                                          <p:spTgt spid="460805">
+                                            <p:txEl>
+                                              <p:pRg st="3" end="3"/>
+                                            </p:txEl>
+                                          </p:spTgt>
+                                        </p:tgtEl>
+                                        <p:attrNameLst>
+                                          <p:attrName>style.visibility</p:attrName>
+                                        </p:attrNameLst>
+                                      </p:cBhvr>
+                                      <p:to>
+                                        <p:strVal val="visible"/>
+                                      </p:to>
+                                    </p:set>
+                                  </p:childTnLst>
+                                </p:cTn>
+                              </p:par>
+                            </p:childTnLst>
+                          </p:cTn>
+                        </p:par>
+                      </p:childTnLst>
+                    </p:cTn>
+                  </p:par>
+                  <p:par>
+                    <p:cTn id="13" fill="hold">
+                      <p:stCondLst>
+                        <p:cond delay="indefinite"/>
+                      </p:stCondLst>
+                      <p:childTnLst>
+                        <p:par>
+                          <p:cTn id="14" fill="hold">
+                            <p:stCondLst>
+                              <p:cond delay="0"/>
+                            </p:stCondLst>
+                            <p:childTnLst>
+                              <p:par>
+                                <p:cTn id="15" presetID="1" presetClass="entr" presetSubtype="0" fill="hold" nodeType="clickEffect">
+                                  <p:stCondLst>
+                                    <p:cond delay="0"/>
+                                  </p:stCondLst>
+                                  <p:childTnLst>
+                                    <p:set>
+                                      <p:cBhvr>
+                                        <p:cTn id="16" dur="1" fill="hold">
+                                          <p:stCondLst>
+                                            <p:cond delay="0"/>
+                                          </p:stCondLst>
+                                        </p:cTn>
+                                        <p:tgtEl>
+                                          <p:spTgt spid="460805">
+                                            <p:txEl>
+                                              <p:pRg st="4" end="4"/>
+                                            </p:txEl>
+                                          </p:spTgt>
+                                        </p:tgtEl>
+                                        <p:attrNameLst>
+                                          <p:attrName>style.visibility</p:attrName>
+                                        </p:attrNameLst>
+                                      </p:cBhvr>
+                                      <p:to>
+                                        <p:strVal val="visible"/>
+                                      </p:to>
+                                    </p:set>
+                                  </p:childTnLst>
+                                </p:cTn>
+                              </p:par>
+                              <p:par>
+                                <p:cTn id="17" presetID="1" presetClass="entr" presetSubtype="0" fill="hold" nodeType="withEffect">
+                                  <p:stCondLst>
+                                    <p:cond delay="0"/>
+                                  </p:stCondLst>
+                                  <p:childTnLst>
+                                    <p:set>
+                                      <p:cBhvr>
+                                        <p:cTn id="18" dur="1" fill="hold">
+                                          <p:stCondLst>
+                                            <p:cond delay="0"/>
+                                          </p:stCondLst>
+                                        </p:cTn>
+                                        <p:tgtEl>
+                                          <p:spTgt spid="460805">
+                                            <p:txEl>
+                                              <p:pRg st="5" end="5"/>
+                                            </p:txEl>
+                                          </p:spTgt>
+                                        </p:tgtEl>
+                                        <p:attrNameLst>
+                                          <p:attrName>style.visibility</p:attrName>
+                                        </p:attrNameLst>
+                                      </p:cBhvr>
+                                      <p:to>
+                                        <p:strVal val="visible"/>
+                                      </p:to>
+                                    </p:set>
+                                  </p:childTnLst>
+                                </p:cTn>
+                              </p:par>
+                            </p:childTnLst>
+                          </p:cTn>
+                        </p:par>
+                      </p:childTnLst>
+                    </p:cTn>
+                  </p:par>
+                </p:childTnLst>
+              </p:cTn>
+              <p:prevCondLst>
+                <p:cond evt="onPrev" delay="0">
+                  <p:tgtEl>
+                    <p:sldTgt/>
+                  </p:tgtEl>
+                </p:cond>
+              </p:prevCondLst>
+              <p:nextCondLst>
+                <p:cond evt="onNext" delay="0">
+                  <p:tgtEl>
+                    <p:sldTgt/>
+                  </p:tgtEl>
+                </p:cond>
+              </p:nextCondLst>
+            </p:seq>
+          </p:childTnLst>
+        </p:cTn>
+      </p:par>
+    </p:tnLst>
+  </p:timing>
+</p:sld>
+</file>
+
+<file path=ppt/slides/slide6.xml><?xml version="1.0" encoding="utf-8"?>
 <p:sld xmlns:a="http://schemas.openxmlformats.org/drawingml/2006/main" xmlns:r="http://schemas.openxmlformats.org/officeDocument/2006/relationships" xmlns:p="http://schemas.openxmlformats.org/presentationml/2006/main">
   <p:cSld>
     <p:spTree>
@@ -3386,7 +5651,7 @@
           <a:p>
             <a:r>
               <a:rPr lang="en-US" dirty="0"/>
-              <a:t>Programming languages</a:t>
+              <a:t>Integrated Development Environments (IDE)</a:t>
             </a:r>
             <a:endParaRPr lang="bg-BG" dirty="0"/>
           </a:p>
@@ -3405,7 +5670,7 @@
         <p:spPr>
           <a:xfrm>
             <a:off x="190413" y="1191467"/>
-            <a:ext cx="11804822" cy="5530010"/>
+            <a:ext cx="11618999" cy="5530010"/>
           </a:xfrm>
         </p:spPr>
         <p:txBody>
@@ -3421,18 +5686,7 @@
             </a:pPr>
             <a:r>
               <a:rPr lang="en-US" dirty="0"/>
-              <a:t>The programming language defines a set of rules (syntax)</a:t>
-            </a:r>
-          </a:p>
-          <a:p>
-            <a:pPr>
-              <a:lnSpc>
-                <a:spcPct val="100000"/>
-              </a:lnSpc>
-            </a:pPr>
-            <a:r>
-              <a:rPr lang="en-US" dirty="0"/>
-              <a:t>Languages are either </a:t>
+              <a:t>Integrated Development Environments (</a:t>
             </a:r>
             <a:r>
               <a:rPr lang="en-US" dirty="0">
@@ -3442,76 +5696,19 @@
                   </a:schemeClr>
                 </a:solidFill>
               </a:rPr>
-              <a:t>compiled</a:t>
+              <a:t>IDE</a:t>
             </a:r>
             <a:r>
               <a:rPr lang="en-US" dirty="0"/>
-              <a:t> or </a:t>
-            </a:r>
-            <a:r>
-              <a:rPr lang="en-US" dirty="0">
-                <a:solidFill>
-                  <a:schemeClr val="tx2">
-                    <a:lumMod val="75000"/>
-                  </a:schemeClr>
-                </a:solidFill>
-              </a:rPr>
-              <a:t>interpreted</a:t>
-            </a:r>
-          </a:p>
-          <a:p>
-            <a:pPr>
-              <a:lnSpc>
-                <a:spcPct val="100000"/>
-              </a:lnSpc>
-            </a:pPr>
-            <a:r>
-              <a:rPr lang="en-US" dirty="0"/>
-              <a:t>The compiler translates programming code to </a:t>
-            </a:r>
-            <a:r>
-              <a:rPr lang="en-US" dirty="0">
-                <a:solidFill>
-                  <a:schemeClr val="tx2">
-                    <a:lumMod val="75000"/>
-                  </a:schemeClr>
-                </a:solidFill>
-              </a:rPr>
-              <a:t>machine code</a:t>
-            </a:r>
-          </a:p>
-          <a:p>
-            <a:pPr lvl="1">
-              <a:lnSpc>
-                <a:spcPct val="100000"/>
-              </a:lnSpc>
-            </a:pPr>
-            <a:r>
-              <a:rPr lang="en-US" dirty="0"/>
-              <a:t>During compilation, he finds syntax errors in our code</a:t>
-            </a:r>
-          </a:p>
-          <a:p>
-            <a:pPr>
-              <a:lnSpc>
-                <a:spcPct val="100000"/>
-              </a:lnSpc>
-            </a:pPr>
-            <a:r>
-              <a:rPr lang="en-US" dirty="0"/>
-              <a:t>The Interpreter is a program, that runs other programs</a:t>
-            </a:r>
-          </a:p>
-          <a:p>
-            <a:pPr lvl="1">
-              <a:lnSpc>
-                <a:spcPct val="100000"/>
-              </a:lnSpc>
-            </a:pPr>
-            <a:r>
-              <a:rPr lang="en-US" dirty="0"/>
-              <a:t>It finds syntax errors during runtime</a:t>
-            </a:r>
+              <a:t>) helps the process of writing software</a:t>
+            </a:r>
+            <a:endParaRPr lang="en-US" dirty="0">
+              <a:solidFill>
+                <a:schemeClr val="tx2">
+                  <a:lumMod val="75000"/>
+                </a:schemeClr>
+              </a:solidFill>
+            </a:endParaRPr>
           </a:p>
         </p:txBody>
       </p:sp>
@@ -3543,88 +5740,284 @@
               <a:pPr>
                 <a:defRPr/>
               </a:pPr>
-              <a:t>3</a:t>
+              <a:t>6</a:t>
             </a:fld>
             <a:endParaRPr lang="en-US" dirty="0"/>
           </a:p>
         </p:txBody>
       </p:sp>
-    </p:spTree>
-    <p:extLst>
-      <p:ext uri="{BB962C8B-B14F-4D97-AF65-F5344CB8AC3E}">
-        <p14:creationId xmlns:p14="http://schemas.microsoft.com/office/powerpoint/2010/main" val="1974641516"/>
-      </p:ext>
-    </p:extLst>
-  </p:cSld>
-  <p:clrMapOvr>
-    <a:masterClrMapping/>
-  </p:clrMapOvr>
-</p:sld>
-</file>
-
-<file path=ppt/slides/slide4.xml><?xml version="1.0" encoding="utf-8"?>
-<p:sld xmlns:a="http://schemas.openxmlformats.org/drawingml/2006/main" xmlns:r="http://schemas.openxmlformats.org/officeDocument/2006/relationships" xmlns:p="http://schemas.openxmlformats.org/presentationml/2006/main">
-  <p:cSld>
-    <p:spTree>
-      <p:nvGrpSpPr>
-        <p:cNvPr id="1" name=""/>
-        <p:cNvGrpSpPr/>
-        <p:nvPr/>
-      </p:nvGrpSpPr>
-      <p:grpSpPr>
-        <a:xfrm>
-          <a:off x="0" y="0"/>
-          <a:ext cx="0" cy="0"/>
-          <a:chOff x="0" y="0"/>
-          <a:chExt cx="0" cy="0"/>
-        </a:xfrm>
-      </p:grpSpPr>
+      <p:pic>
+        <p:nvPicPr>
+          <p:cNvPr id="3" name="Picture 2">
+            <a:extLst>
+              <a:ext uri="{FF2B5EF4-FFF2-40B4-BE49-F238E27FC236}">
+                <a16:creationId xmlns:a16="http://schemas.microsoft.com/office/drawing/2014/main" id="{8346198F-6FAB-4440-8F2F-BB05E9053D68}"/>
+              </a:ext>
+            </a:extLst>
+          </p:cNvPr>
+          <p:cNvPicPr>
+            <a:picLocks noChangeAspect="1"/>
+          </p:cNvPicPr>
+          <p:nvPr/>
+        </p:nvPicPr>
+        <p:blipFill>
+          <a:blip r:embed="rId3"/>
+          <a:stretch>
+            <a:fillRect/>
+          </a:stretch>
+        </p:blipFill>
+        <p:spPr>
+          <a:xfrm>
+            <a:off x="5561012" y="2209800"/>
+            <a:ext cx="6004701" cy="3810000"/>
+          </a:xfrm>
+          <a:prstGeom prst="rect">
+            <a:avLst/>
+          </a:prstGeom>
+        </p:spPr>
+      </p:pic>
       <p:sp>
         <p:nvSpPr>
-          <p:cNvPr id="460802" name="Rectangle 2"/>
-          <p:cNvSpPr>
-            <a:spLocks noGrp="1" noChangeArrowheads="1"/>
+          <p:cNvPr id="7" name="Rectangle 5">
+            <a:extLst>
+              <a:ext uri="{FF2B5EF4-FFF2-40B4-BE49-F238E27FC236}">
+                <a16:creationId xmlns:a16="http://schemas.microsoft.com/office/drawing/2014/main" id="{52519186-26DB-48BD-AC08-C1497377FB04}"/>
+              </a:ext>
+            </a:extLst>
+          </p:cNvPr>
+          <p:cNvSpPr txBox="1">
+            <a:spLocks noChangeArrowheads="1"/>
           </p:cNvSpPr>
-          <p:nvPr>
-            <p:ph type="title"/>
-          </p:nvPr>
-        </p:nvSpPr>
-        <p:spPr/>
-        <p:txBody>
-          <a:bodyPr>
-            <a:normAutofit/>
-          </a:bodyPr>
-          <a:lstStyle/>
-          <a:p>
-            <a:r>
-              <a:rPr lang="en-US" dirty="0"/>
-              <a:t>Integrated Development Environments</a:t>
-            </a:r>
-            <a:endParaRPr lang="bg-BG" dirty="0"/>
-          </a:p>
-        </p:txBody>
-      </p:sp>
-      <p:sp>
-        <p:nvSpPr>
-          <p:cNvPr id="460805" name="Rectangle 5"/>
-          <p:cNvSpPr>
-            <a:spLocks noGrp="1" noChangeArrowheads="1"/>
-          </p:cNvSpPr>
-          <p:nvPr>
-            <p:ph idx="4294967295"/>
-          </p:nvPr>
+          <p:nvPr/>
         </p:nvSpPr>
         <p:spPr>
           <a:xfrm>
-            <a:off x="190413" y="1191467"/>
-            <a:ext cx="11804822" cy="5530010"/>
+            <a:off x="190413" y="2514600"/>
+            <a:ext cx="5068672" cy="4206877"/>
           </a:xfrm>
+          <a:prstGeom prst="rect">
+            <a:avLst/>
+          </a:prstGeom>
         </p:spPr>
         <p:txBody>
-          <a:bodyPr>
+          <a:bodyPr vert="horz" lIns="108000" tIns="36000" rIns="108000" bIns="36000" rtlCol="0">
             <a:normAutofit/>
           </a:bodyPr>
-          <a:lstStyle/>
+          <a:lstStyle>
+            <a:lvl1pPr marL="304747" indent="-304747" algn="l" defTabSz="1218987" rtl="0" eaLnBrk="1" latinLnBrk="0" hangingPunct="1">
+              <a:lnSpc>
+                <a:spcPct val="105000"/>
+              </a:lnSpc>
+              <a:spcBef>
+                <a:spcPts val="600"/>
+              </a:spcBef>
+              <a:spcAft>
+                <a:spcPts val="600"/>
+              </a:spcAft>
+              <a:buClr>
+                <a:srgbClr val="F2B254"/>
+              </a:buClr>
+              <a:buSzPct val="100000"/>
+              <a:buFont typeface="Wingdings" panose="05000000000000000000" pitchFamily="2" charset="2"/>
+              <a:buChar char="§"/>
+              <a:defRPr sz="3400" b="0" kern="1200">
+                <a:solidFill>
+                  <a:schemeClr val="tx1"/>
+                </a:solidFill>
+                <a:latin typeface="+mn-lt"/>
+                <a:ea typeface="+mn-ea"/>
+                <a:cs typeface="+mn-cs"/>
+              </a:defRPr>
+            </a:lvl1pPr>
+            <a:lvl2pPr marL="609493" indent="-231606" algn="l" defTabSz="1218987" rtl="0" eaLnBrk="1" latinLnBrk="0" hangingPunct="1">
+              <a:lnSpc>
+                <a:spcPct val="105000"/>
+              </a:lnSpc>
+              <a:spcBef>
+                <a:spcPts val="600"/>
+              </a:spcBef>
+              <a:spcAft>
+                <a:spcPts val="600"/>
+              </a:spcAft>
+              <a:buClr>
+                <a:schemeClr val="accent1"/>
+              </a:buClr>
+              <a:buSzPct val="80000"/>
+              <a:buFont typeface="Wingdings" panose="05000000000000000000" pitchFamily="2" charset="2"/>
+              <a:buChar char="§"/>
+              <a:defRPr sz="3200" b="0" kern="1200">
+                <a:solidFill>
+                  <a:schemeClr val="tx1"/>
+                </a:solidFill>
+                <a:latin typeface="+mn-lt"/>
+                <a:ea typeface="+mn-ea"/>
+                <a:cs typeface="+mn-cs"/>
+              </a:defRPr>
+            </a:lvl2pPr>
+            <a:lvl3pPr marL="914240" indent="-231606" algn="l" defTabSz="1218987" rtl="0" eaLnBrk="1" latinLnBrk="0" hangingPunct="1">
+              <a:lnSpc>
+                <a:spcPct val="105000"/>
+              </a:lnSpc>
+              <a:spcBef>
+                <a:spcPts val="600"/>
+              </a:spcBef>
+              <a:spcAft>
+                <a:spcPts val="600"/>
+              </a:spcAft>
+              <a:buClr>
+                <a:srgbClr val="EF9A1D"/>
+              </a:buClr>
+              <a:buSzPct val="80000"/>
+              <a:buFont typeface="Wingdings" panose="05000000000000000000" pitchFamily="2" charset="2"/>
+              <a:buChar char="§"/>
+              <a:defRPr sz="3000" b="0" kern="1200">
+                <a:solidFill>
+                  <a:schemeClr val="tx1"/>
+                </a:solidFill>
+                <a:latin typeface="+mn-lt"/>
+                <a:ea typeface="+mn-ea"/>
+                <a:cs typeface="+mn-cs"/>
+              </a:defRPr>
+            </a:lvl3pPr>
+            <a:lvl4pPr marL="1218987" indent="-231606" algn="l" defTabSz="1218987" rtl="0" eaLnBrk="1" latinLnBrk="0" hangingPunct="1">
+              <a:lnSpc>
+                <a:spcPct val="105000"/>
+              </a:lnSpc>
+              <a:spcBef>
+                <a:spcPts val="600"/>
+              </a:spcBef>
+              <a:spcAft>
+                <a:spcPts val="600"/>
+              </a:spcAft>
+              <a:buClr>
+                <a:srgbClr val="ED9411"/>
+              </a:buClr>
+              <a:buSzPct val="80000"/>
+              <a:buFont typeface="Wingdings" panose="05000000000000000000" pitchFamily="2" charset="2"/>
+              <a:buChar char="§"/>
+              <a:defRPr sz="2800" b="0" kern="1200">
+                <a:solidFill>
+                  <a:schemeClr val="tx1"/>
+                </a:solidFill>
+                <a:latin typeface="+mn-lt"/>
+                <a:ea typeface="+mn-ea"/>
+                <a:cs typeface="+mn-cs"/>
+              </a:defRPr>
+            </a:lvl4pPr>
+            <a:lvl5pPr marL="1523733" indent="-231606" algn="l" defTabSz="1218987" rtl="0" eaLnBrk="1" latinLnBrk="0" hangingPunct="1">
+              <a:lnSpc>
+                <a:spcPct val="105000"/>
+              </a:lnSpc>
+              <a:spcBef>
+                <a:spcPts val="600"/>
+              </a:spcBef>
+              <a:spcAft>
+                <a:spcPts val="600"/>
+              </a:spcAft>
+              <a:buClr>
+                <a:srgbClr val="E28D10"/>
+              </a:buClr>
+              <a:buSzPct val="80000"/>
+              <a:buFont typeface="Wingdings" panose="05000000000000000000" pitchFamily="2" charset="2"/>
+              <a:buChar char="§"/>
+              <a:defRPr sz="2600" b="0" kern="1200">
+                <a:solidFill>
+                  <a:schemeClr val="tx1"/>
+                </a:solidFill>
+                <a:latin typeface="+mn-lt"/>
+                <a:ea typeface="+mn-ea"/>
+                <a:cs typeface="+mn-cs"/>
+              </a:defRPr>
+            </a:lvl5pPr>
+            <a:lvl6pPr marL="1828480" indent="-231606" algn="l" defTabSz="1218987" rtl="0" eaLnBrk="1" latinLnBrk="0" hangingPunct="1">
+              <a:lnSpc>
+                <a:spcPct val="90000"/>
+              </a:lnSpc>
+              <a:spcBef>
+                <a:spcPts val="800"/>
+              </a:spcBef>
+              <a:buClr>
+                <a:schemeClr val="accent1"/>
+              </a:buClr>
+              <a:buSzPct val="80000"/>
+              <a:buFont typeface="Arial" pitchFamily="34" charset="0"/>
+              <a:buChar char="•"/>
+              <a:defRPr sz="2000" kern="1200">
+                <a:solidFill>
+                  <a:schemeClr val="tx1"/>
+                </a:solidFill>
+                <a:latin typeface="+mn-lt"/>
+                <a:ea typeface="+mn-ea"/>
+                <a:cs typeface="+mn-cs"/>
+              </a:defRPr>
+            </a:lvl6pPr>
+            <a:lvl7pPr marL="2133227" indent="-231606" algn="l" defTabSz="1218987" rtl="0" eaLnBrk="1" latinLnBrk="0" hangingPunct="1">
+              <a:lnSpc>
+                <a:spcPct val="90000"/>
+              </a:lnSpc>
+              <a:spcBef>
+                <a:spcPts val="800"/>
+              </a:spcBef>
+              <a:buClr>
+                <a:schemeClr val="accent1"/>
+              </a:buClr>
+              <a:buSzPct val="80000"/>
+              <a:buFont typeface="Arial" pitchFamily="34" charset="0"/>
+              <a:buChar char="•"/>
+              <a:defRPr sz="2000" kern="1200">
+                <a:solidFill>
+                  <a:schemeClr val="tx1"/>
+                </a:solidFill>
+                <a:latin typeface="+mn-lt"/>
+                <a:ea typeface="+mn-ea"/>
+                <a:cs typeface="+mn-cs"/>
+              </a:defRPr>
+            </a:lvl7pPr>
+            <a:lvl8pPr marL="2437972" indent="-231606" algn="l" defTabSz="1218987" rtl="0" eaLnBrk="1" latinLnBrk="0" hangingPunct="1">
+              <a:lnSpc>
+                <a:spcPct val="90000"/>
+              </a:lnSpc>
+              <a:spcBef>
+                <a:spcPts val="800"/>
+              </a:spcBef>
+              <a:buClr>
+                <a:schemeClr val="accent1"/>
+              </a:buClr>
+              <a:buSzPct val="80000"/>
+              <a:buFont typeface="Arial" pitchFamily="34" charset="0"/>
+              <a:buChar char="•"/>
+              <a:defRPr sz="2000" kern="1200" baseline="0">
+                <a:solidFill>
+                  <a:schemeClr val="tx1"/>
+                </a:solidFill>
+                <a:latin typeface="+mn-lt"/>
+                <a:ea typeface="+mn-ea"/>
+                <a:cs typeface="+mn-cs"/>
+              </a:defRPr>
+            </a:lvl8pPr>
+            <a:lvl9pPr marL="2742720" indent="-231606" algn="l" defTabSz="1218987" rtl="0" eaLnBrk="1" latinLnBrk="0" hangingPunct="1">
+              <a:lnSpc>
+                <a:spcPct val="90000"/>
+              </a:lnSpc>
+              <a:spcBef>
+                <a:spcPts val="800"/>
+              </a:spcBef>
+              <a:buClr>
+                <a:schemeClr val="accent1"/>
+              </a:buClr>
+              <a:buSzPct val="80000"/>
+              <a:buFont typeface="Arial" pitchFamily="34" charset="0"/>
+              <a:buChar char="•"/>
+              <a:defRPr sz="2000" kern="1200" baseline="0">
+                <a:solidFill>
+                  <a:schemeClr val="tx1"/>
+                </a:solidFill>
+                <a:latin typeface="+mn-lt"/>
+                <a:ea typeface="+mn-ea"/>
+                <a:cs typeface="+mn-cs"/>
+              </a:defRPr>
+            </a:lvl9pPr>
+          </a:lstStyle>
           <a:p>
             <a:pPr>
               <a:lnSpc>
@@ -3633,32 +6026,7 @@
             </a:pPr>
             <a:r>
               <a:rPr lang="en-US" dirty="0"/>
-              <a:t>Integrated Development Environments (</a:t>
-            </a:r>
-            <a:r>
-              <a:rPr lang="en-US" dirty="0">
-                <a:solidFill>
-                  <a:schemeClr val="tx2">
-                    <a:lumMod val="75000"/>
-                  </a:schemeClr>
-                </a:solidFill>
-              </a:rPr>
-              <a:t>IDE</a:t>
-            </a:r>
-            <a:r>
-              <a:rPr lang="en-US" dirty="0"/>
-              <a:t>) helps the process of writing software</a:t>
-            </a:r>
-          </a:p>
-          <a:p>
-            <a:pPr>
-              <a:lnSpc>
-                <a:spcPct val="100000"/>
-              </a:lnSpc>
-            </a:pPr>
-            <a:r>
-              <a:rPr lang="en-US" dirty="0"/>
-              <a:t>This saves time and eases the process of coding</a:t>
+              <a:t>IDEs saves time and eases the process of coding</a:t>
             </a:r>
           </a:p>
           <a:p>
@@ -3716,40 +6084,6 @@
               </a:rPr>
               <a:t>Rider</a:t>
             </a:r>
-          </a:p>
-        </p:txBody>
-      </p:sp>
-      <p:sp>
-        <p:nvSpPr>
-          <p:cNvPr id="4" name="Slide Number Placeholder 3"/>
-          <p:cNvSpPr>
-            <a:spLocks noGrp="1"/>
-          </p:cNvSpPr>
-          <p:nvPr>
-            <p:ph type="sldNum" sz="quarter" idx="4"/>
-          </p:nvPr>
-        </p:nvSpPr>
-        <p:spPr>
-          <a:xfrm>
-            <a:off x="11566412" y="6525002"/>
-            <a:ext cx="428822" cy="196477"/>
-          </a:xfrm>
-        </p:spPr>
-        <p:txBody>
-          <a:bodyPr/>
-          <a:lstStyle/>
-          <a:p>
-            <a:pPr>
-              <a:defRPr/>
-            </a:pPr>
-            <a:fld id="{58452FF4-89E3-4D1B-9927-2DBDC00E58D7}" type="slidenum">
-              <a:rPr lang="en-US" smtClean="0"/>
-              <a:pPr>
-                <a:defRPr/>
-              </a:pPr>
-              <a:t>4</a:t>
-            </a:fld>
-            <a:endParaRPr lang="en-US" dirty="0"/>
           </a:p>
         </p:txBody>
       </p:sp>
@@ -3763,10 +6097,169 @@
   <p:clrMapOvr>
     <a:masterClrMapping/>
   </p:clrMapOvr>
+  <p:timing>
+    <p:tnLst>
+      <p:par>
+        <p:cTn id="1" dur="indefinite" restart="never" nodeType="tmRoot">
+          <p:childTnLst>
+            <p:seq concurrent="1" nextAc="seek">
+              <p:cTn id="2" dur="indefinite" nodeType="mainSeq">
+                <p:childTnLst>
+                  <p:par>
+                    <p:cTn id="3" fill="hold">
+                      <p:stCondLst>
+                        <p:cond delay="indefinite"/>
+                      </p:stCondLst>
+                      <p:childTnLst>
+                        <p:par>
+                          <p:cTn id="4" fill="hold">
+                            <p:stCondLst>
+                              <p:cond delay="0"/>
+                            </p:stCondLst>
+                            <p:childTnLst>
+                              <p:par>
+                                <p:cTn id="5" presetID="1" presetClass="entr" presetSubtype="0" fill="hold" nodeType="clickEffect">
+                                  <p:stCondLst>
+                                    <p:cond delay="0"/>
+                                  </p:stCondLst>
+                                  <p:childTnLst>
+                                    <p:set>
+                                      <p:cBhvr>
+                                        <p:cTn id="6" dur="1" fill="hold">
+                                          <p:stCondLst>
+                                            <p:cond delay="0"/>
+                                          </p:stCondLst>
+                                        </p:cTn>
+                                        <p:tgtEl>
+                                          <p:spTgt spid="7">
+                                            <p:txEl>
+                                              <p:pRg st="0" end="0"/>
+                                            </p:txEl>
+                                          </p:spTgt>
+                                        </p:tgtEl>
+                                        <p:attrNameLst>
+                                          <p:attrName>style.visibility</p:attrName>
+                                        </p:attrNameLst>
+                                      </p:cBhvr>
+                                      <p:to>
+                                        <p:strVal val="visible"/>
+                                      </p:to>
+                                    </p:set>
+                                  </p:childTnLst>
+                                </p:cTn>
+                              </p:par>
+                            </p:childTnLst>
+                          </p:cTn>
+                        </p:par>
+                      </p:childTnLst>
+                    </p:cTn>
+                  </p:par>
+                  <p:par>
+                    <p:cTn id="7" fill="hold">
+                      <p:stCondLst>
+                        <p:cond delay="indefinite"/>
+                      </p:stCondLst>
+                      <p:childTnLst>
+                        <p:par>
+                          <p:cTn id="8" fill="hold">
+                            <p:stCondLst>
+                              <p:cond delay="0"/>
+                            </p:stCondLst>
+                            <p:childTnLst>
+                              <p:par>
+                                <p:cTn id="9" presetID="1" presetClass="entr" presetSubtype="0" fill="hold" nodeType="clickEffect">
+                                  <p:stCondLst>
+                                    <p:cond delay="0"/>
+                                  </p:stCondLst>
+                                  <p:childTnLst>
+                                    <p:set>
+                                      <p:cBhvr>
+                                        <p:cTn id="10" dur="1" fill="hold">
+                                          <p:stCondLst>
+                                            <p:cond delay="0"/>
+                                          </p:stCondLst>
+                                        </p:cTn>
+                                        <p:tgtEl>
+                                          <p:spTgt spid="7">
+                                            <p:txEl>
+                                              <p:pRg st="1" end="1"/>
+                                            </p:txEl>
+                                          </p:spTgt>
+                                        </p:tgtEl>
+                                        <p:attrNameLst>
+                                          <p:attrName>style.visibility</p:attrName>
+                                        </p:attrNameLst>
+                                      </p:cBhvr>
+                                      <p:to>
+                                        <p:strVal val="visible"/>
+                                      </p:to>
+                                    </p:set>
+                                  </p:childTnLst>
+                                </p:cTn>
+                              </p:par>
+                              <p:par>
+                                <p:cTn id="11" presetID="1" presetClass="entr" presetSubtype="0" fill="hold" nodeType="withEffect">
+                                  <p:stCondLst>
+                                    <p:cond delay="0"/>
+                                  </p:stCondLst>
+                                  <p:childTnLst>
+                                    <p:set>
+                                      <p:cBhvr>
+                                        <p:cTn id="12" dur="1" fill="hold">
+                                          <p:stCondLst>
+                                            <p:cond delay="0"/>
+                                          </p:stCondLst>
+                                        </p:cTn>
+                                        <p:tgtEl>
+                                          <p:spTgt spid="7">
+                                            <p:txEl>
+                                              <p:pRg st="2" end="2"/>
+                                            </p:txEl>
+                                          </p:spTgt>
+                                        </p:tgtEl>
+                                        <p:attrNameLst>
+                                          <p:attrName>style.visibility</p:attrName>
+                                        </p:attrNameLst>
+                                      </p:cBhvr>
+                                      <p:to>
+                                        <p:strVal val="visible"/>
+                                      </p:to>
+                                    </p:set>
+                                  </p:childTnLst>
+                                </p:cTn>
+                              </p:par>
+                            </p:childTnLst>
+                          </p:cTn>
+                        </p:par>
+                      </p:childTnLst>
+                    </p:cTn>
+                  </p:par>
+                </p:childTnLst>
+              </p:cTn>
+              <p:prevCondLst>
+                <p:cond evt="onPrev" delay="0">
+                  <p:tgtEl>
+                    <p:sldTgt/>
+                  </p:tgtEl>
+                </p:cond>
+              </p:prevCondLst>
+              <p:nextCondLst>
+                <p:cond evt="onNext" delay="0">
+                  <p:tgtEl>
+                    <p:sldTgt/>
+                  </p:tgtEl>
+                </p:cond>
+              </p:nextCondLst>
+            </p:seq>
+          </p:childTnLst>
+        </p:cTn>
+      </p:par>
+    </p:tnLst>
+  </p:timing>
 </p:sld>
 </file>
 
-<file path=ppt/slides/slide5.xml><?xml version="1.0" encoding="utf-8"?>
+<file path=ppt/slides/slide7.xml><?xml version="1.0" encoding="utf-8"?>
 <p:sld xmlns:a="http://schemas.openxmlformats.org/drawingml/2006/main" xmlns:r="http://schemas.openxmlformats.org/officeDocument/2006/relationships" xmlns:p="http://schemas.openxmlformats.org/presentationml/2006/main">
   <p:cSld>
     <p:spTree>
@@ -3806,7 +6299,7 @@
           <a:p>
             <a:r>
               <a:rPr lang="en-US" dirty="0"/>
-              <a:t>What does it mean to program?</a:t>
+              <a:t>What Does It Mean "To Program"?</a:t>
             </a:r>
           </a:p>
         </p:txBody>
@@ -3863,8 +6356,8 @@
         </p:nvSpPr>
         <p:spPr>
           <a:xfrm>
-            <a:off x="4341812" y="2286000"/>
-            <a:ext cx="4761213" cy="834908"/>
+            <a:off x="5838290" y="2384154"/>
+            <a:ext cx="3103515" cy="834908"/>
           </a:xfrm>
           <a:prstGeom prst="roundRect">
             <a:avLst>
@@ -3889,7 +6382,7 @@
                   <a:schemeClr val="bg1"/>
                 </a:solidFill>
               </a:rPr>
-              <a:t>Do your research!</a:t>
+              <a:t>Try Coding!</a:t>
             </a:r>
           </a:p>
         </p:txBody>
